--- a/02-practical/exercises/08-component-ccp_crp.pptx
+++ b/02-practical/exercises/08-component-ccp_crp.pptx
@@ -212,7 +212,7 @@
           <a:p>
             <a:fld id="{B0A543F7-97BF-4C7A-9589-6C19D8A0DBC7}" type="datetimeFigureOut">
               <a:rPr kumimoji="1" lang="ja-JP" altLang="en-US" smtClean="0"/>
-              <a:t>2024/2/26</a:t>
+              <a:t>2024/2/28</a:t>
             </a:fld>
             <a:endParaRPr kumimoji="1" lang="ja-JP" altLang="en-US"/>
           </a:p>
@@ -326,89 +326,6 @@
       </p:grpSpPr>
       <p:sp>
         <p:nvSpPr>
-          <p:cNvPr id="2" name="日付プレースホルダー 1">
-            <a:extLst>
-              <a:ext uri="{FF2B5EF4-FFF2-40B4-BE49-F238E27FC236}">
-                <a16:creationId xmlns:a16="http://schemas.microsoft.com/office/drawing/2014/main" id="{6EFD1543-0559-FD32-9F98-69873293E46E}"/>
-              </a:ext>
-            </a:extLst>
-          </p:cNvPr>
-          <p:cNvSpPr>
-            <a:spLocks noGrp="1"/>
-          </p:cNvSpPr>
-          <p:nvPr>
-            <p:ph type="dt" sz="half" idx="10"/>
-          </p:nvPr>
-        </p:nvSpPr>
-        <p:spPr/>
-        <p:txBody>
-          <a:bodyPr/>
-          <a:lstStyle/>
-          <a:p>
-            <a:fld id="{EA92AA29-409C-4083-BDC1-99425471DC1E}" type="datetimeFigureOut">
-              <a:rPr kumimoji="1" lang="ja-JP" altLang="en-US" smtClean="0"/>
-              <a:t>2024/2/26</a:t>
-            </a:fld>
-            <a:endParaRPr kumimoji="1" lang="ja-JP" altLang="en-US"/>
-          </a:p>
-        </p:txBody>
-      </p:sp>
-      <p:sp>
-        <p:nvSpPr>
-          <p:cNvPr id="3" name="フッター プレースホルダー 2">
-            <a:extLst>
-              <a:ext uri="{FF2B5EF4-FFF2-40B4-BE49-F238E27FC236}">
-                <a16:creationId xmlns:a16="http://schemas.microsoft.com/office/drawing/2014/main" id="{99B62FE7-44AC-0A40-E0CB-C19FEAF186B9}"/>
-              </a:ext>
-            </a:extLst>
-          </p:cNvPr>
-          <p:cNvSpPr>
-            <a:spLocks noGrp="1"/>
-          </p:cNvSpPr>
-          <p:nvPr>
-            <p:ph type="ftr" sz="quarter" idx="11"/>
-          </p:nvPr>
-        </p:nvSpPr>
-        <p:spPr/>
-        <p:txBody>
-          <a:bodyPr/>
-          <a:lstStyle/>
-          <a:p>
-            <a:endParaRPr kumimoji="1" lang="ja-JP" altLang="en-US"/>
-          </a:p>
-        </p:txBody>
-      </p:sp>
-      <p:sp>
-        <p:nvSpPr>
-          <p:cNvPr id="4" name="スライド番号プレースホルダー 3">
-            <a:extLst>
-              <a:ext uri="{FF2B5EF4-FFF2-40B4-BE49-F238E27FC236}">
-                <a16:creationId xmlns:a16="http://schemas.microsoft.com/office/drawing/2014/main" id="{CC80D864-AB9A-8CD6-9C38-8FF245ED3C0A}"/>
-              </a:ext>
-            </a:extLst>
-          </p:cNvPr>
-          <p:cNvSpPr>
-            <a:spLocks noGrp="1"/>
-          </p:cNvSpPr>
-          <p:nvPr>
-            <p:ph type="sldNum" sz="quarter" idx="12"/>
-          </p:nvPr>
-        </p:nvSpPr>
-        <p:spPr/>
-        <p:txBody>
-          <a:bodyPr/>
-          <a:lstStyle/>
-          <a:p>
-            <a:fld id="{61E82C7E-8EA5-4FA1-90C8-0763E1FC950E}" type="slidenum">
-              <a:rPr kumimoji="1" lang="ja-JP" altLang="en-US" smtClean="0"/>
-              <a:t>‹#›</a:t>
-            </a:fld>
-            <a:endParaRPr kumimoji="1" lang="ja-JP" altLang="en-US"/>
-          </a:p>
-        </p:txBody>
-      </p:sp>
-      <p:sp>
-        <p:nvSpPr>
           <p:cNvPr id="8" name="テキスト ボックス 7">
             <a:extLst>
               <a:ext uri="{FF2B5EF4-FFF2-40B4-BE49-F238E27FC236}">
@@ -421,7 +338,7 @@
         </p:nvSpPr>
         <p:spPr>
           <a:xfrm>
-            <a:off x="838199" y="612210"/>
+            <a:off x="838199" y="173298"/>
             <a:ext cx="9574531" cy="769441"/>
           </a:xfrm>
           <a:prstGeom prst="rect">
@@ -472,7 +389,7 @@
         </p:nvSpPr>
         <p:spPr>
           <a:xfrm>
-            <a:off x="838199" y="1352401"/>
+            <a:off x="838199" y="913489"/>
             <a:ext cx="9437017" cy="372346"/>
           </a:xfrm>
           <a:prstGeom prst="rect">
@@ -543,6 +460,119 @@
               </a:ln>
               <a:solidFill>
                 <a:prstClr val="black"/>
+              </a:solidFill>
+              <a:effectLst/>
+              <a:uLnTx/>
+              <a:uFillTx/>
+              <a:latin typeface="游ゴシック" panose="020F0502020204030204"/>
+              <a:ea typeface="游ゴシック" panose="020B0400000000000000" pitchFamily="50" charset="-128"/>
+              <a:cs typeface="+mn-cs"/>
+            </a:endParaRPr>
+          </a:p>
+        </p:txBody>
+      </p:sp>
+      <p:sp>
+        <p:nvSpPr>
+          <p:cNvPr id="5" name="テキスト ボックス 4">
+            <a:extLst>
+              <a:ext uri="{FF2B5EF4-FFF2-40B4-BE49-F238E27FC236}">
+                <a16:creationId xmlns:a16="http://schemas.microsoft.com/office/drawing/2014/main" id="{25C4F02E-263C-4642-1325-C318EAF95C96}"/>
+              </a:ext>
+            </a:extLst>
+          </p:cNvPr>
+          <p:cNvSpPr txBox="1"/>
+          <p:nvPr userDrawn="1"/>
+        </p:nvSpPr>
+        <p:spPr>
+          <a:xfrm>
+            <a:off x="2754983" y="6485654"/>
+            <a:ext cx="9437017" cy="372346"/>
+          </a:xfrm>
+          <a:prstGeom prst="rect">
+            <a:avLst/>
+          </a:prstGeom>
+          <a:solidFill>
+            <a:schemeClr val="bg1"/>
+          </a:solidFill>
+        </p:spPr>
+        <p:txBody>
+          <a:bodyPr wrap="square">
+            <a:spAutoFit/>
+          </a:bodyPr>
+          <a:lstStyle/>
+          <a:p>
+            <a:pPr marR="0" lvl="0" algn="r" defTabSz="914400" rtl="0" eaLnBrk="1" fontAlgn="auto" latinLnBrk="0" hangingPunct="1">
+              <a:lnSpc>
+                <a:spcPct val="90000"/>
+              </a:lnSpc>
+              <a:spcBef>
+                <a:spcPts val="1000"/>
+              </a:spcBef>
+              <a:spcAft>
+                <a:spcPts val="0"/>
+              </a:spcAft>
+              <a:buClrTx/>
+              <a:buSzTx/>
+              <a:tabLst/>
+              <a:defRPr/>
+            </a:pPr>
+            <a:r>
+              <a:rPr kumimoji="1" lang="ja-JP" altLang="en-US" sz="2000" b="0" i="0" u="none" strike="noStrike" kern="1200" cap="none" spc="0" normalizeH="0" baseline="0" noProof="0" dirty="0">
+                <a:ln>
+                  <a:noFill/>
+                </a:ln>
+                <a:solidFill>
+                  <a:schemeClr val="accent1"/>
+                </a:solidFill>
+                <a:effectLst/>
+                <a:uLnTx/>
+                <a:uFillTx/>
+                <a:latin typeface="游ゴシック" panose="020F0502020204030204"/>
+                <a:ea typeface="游ゴシック" panose="020B0400000000000000" pitchFamily="50" charset="-128"/>
+                <a:cs typeface="+mn-cs"/>
+              </a:rPr>
+              <a:t>余裕があれば</a:t>
+            </a:r>
+            <a:r>
+              <a:rPr kumimoji="1" lang="en-US" altLang="ja-JP" sz="2000" b="0" i="0" u="none" strike="noStrike" kern="1200" cap="none" spc="0" normalizeH="0" baseline="0" noProof="0" dirty="0">
+                <a:ln>
+                  <a:noFill/>
+                </a:ln>
+                <a:solidFill>
+                  <a:schemeClr val="accent1"/>
+                </a:solidFill>
+                <a:effectLst/>
+                <a:uLnTx/>
+                <a:uFillTx/>
+                <a:latin typeface="游ゴシック" panose="020F0502020204030204"/>
+                <a:ea typeface="游ゴシック" panose="020B0400000000000000" pitchFamily="50" charset="-128"/>
+                <a:cs typeface="+mn-cs"/>
+              </a:rPr>
+              <a:t>…</a:t>
+            </a:r>
+            <a:r>
+              <a:rPr kumimoji="1" lang="ja-JP" altLang="en-US" sz="2000" b="0" i="0" u="none" strike="noStrike" kern="1200" cap="none" spc="0" normalizeH="0" baseline="0" noProof="0" dirty="0">
+                <a:ln>
+                  <a:noFill/>
+                </a:ln>
+                <a:solidFill>
+                  <a:schemeClr val="accent1"/>
+                </a:solidFill>
+                <a:effectLst/>
+                <a:uLnTx/>
+                <a:uFillTx/>
+                <a:latin typeface="游ゴシック" panose="020F0502020204030204"/>
+                <a:ea typeface="游ゴシック" panose="020B0400000000000000" pitchFamily="50" charset="-128"/>
+                <a:cs typeface="+mn-cs"/>
+              </a:rPr>
+              <a:t>分けたグループをフォルダに見立てて名前を付けてみよう</a:t>
+            </a:r>
+            <a:endParaRPr kumimoji="1" lang="en-US" altLang="ja-JP" sz="2000" b="0" i="0" u="none" strike="noStrike" kern="1200" cap="none" spc="0" normalizeH="0" baseline="0" noProof="0" dirty="0">
+              <a:ln>
+                <a:noFill/>
+              </a:ln>
+              <a:solidFill>
+                <a:schemeClr val="accent1"/>
               </a:solidFill>
               <a:effectLst/>
               <a:uLnTx/>
@@ -599,7 +629,7 @@
 
 <file path=ppt/slideLayouts/slideLayout3.xml><?xml version="1.0" encoding="utf-8"?>
 <p:sldLayout xmlns:a="http://schemas.openxmlformats.org/drawingml/2006/main" xmlns:r="http://schemas.openxmlformats.org/officeDocument/2006/relationships" xmlns:p="http://schemas.openxmlformats.org/presentationml/2006/main" preserve="1" userDrawn="1">
-  <p:cSld name="1_デフォルト">
+  <p:cSld name="解答例１">
     <p:spTree>
       <p:nvGrpSpPr>
         <p:cNvPr id="1" name=""/>
@@ -616,93 +646,10 @@
       </p:grpSpPr>
       <p:sp>
         <p:nvSpPr>
-          <p:cNvPr id="2" name="日付プレースホルダー 1">
+          <p:cNvPr id="6" name="テキスト ボックス 5">
             <a:extLst>
               <a:ext uri="{FF2B5EF4-FFF2-40B4-BE49-F238E27FC236}">
-                <a16:creationId xmlns:a16="http://schemas.microsoft.com/office/drawing/2014/main" id="{6EFD1543-0559-FD32-9F98-69873293E46E}"/>
-              </a:ext>
-            </a:extLst>
-          </p:cNvPr>
-          <p:cNvSpPr>
-            <a:spLocks noGrp="1"/>
-          </p:cNvSpPr>
-          <p:nvPr>
-            <p:ph type="dt" sz="half" idx="10"/>
-          </p:nvPr>
-        </p:nvSpPr>
-        <p:spPr/>
-        <p:txBody>
-          <a:bodyPr/>
-          <a:lstStyle/>
-          <a:p>
-            <a:fld id="{EA92AA29-409C-4083-BDC1-99425471DC1E}" type="datetimeFigureOut">
-              <a:rPr kumimoji="1" lang="ja-JP" altLang="en-US" smtClean="0"/>
-              <a:t>2024/2/26</a:t>
-            </a:fld>
-            <a:endParaRPr kumimoji="1" lang="ja-JP" altLang="en-US"/>
-          </a:p>
-        </p:txBody>
-      </p:sp>
-      <p:sp>
-        <p:nvSpPr>
-          <p:cNvPr id="3" name="フッター プレースホルダー 2">
-            <a:extLst>
-              <a:ext uri="{FF2B5EF4-FFF2-40B4-BE49-F238E27FC236}">
-                <a16:creationId xmlns:a16="http://schemas.microsoft.com/office/drawing/2014/main" id="{99B62FE7-44AC-0A40-E0CB-C19FEAF186B9}"/>
-              </a:ext>
-            </a:extLst>
-          </p:cNvPr>
-          <p:cNvSpPr>
-            <a:spLocks noGrp="1"/>
-          </p:cNvSpPr>
-          <p:nvPr>
-            <p:ph type="ftr" sz="quarter" idx="11"/>
-          </p:nvPr>
-        </p:nvSpPr>
-        <p:spPr/>
-        <p:txBody>
-          <a:bodyPr/>
-          <a:lstStyle/>
-          <a:p>
-            <a:endParaRPr kumimoji="1" lang="ja-JP" altLang="en-US"/>
-          </a:p>
-        </p:txBody>
-      </p:sp>
-      <p:sp>
-        <p:nvSpPr>
-          <p:cNvPr id="4" name="スライド番号プレースホルダー 3">
-            <a:extLst>
-              <a:ext uri="{FF2B5EF4-FFF2-40B4-BE49-F238E27FC236}">
-                <a16:creationId xmlns:a16="http://schemas.microsoft.com/office/drawing/2014/main" id="{CC80D864-AB9A-8CD6-9C38-8FF245ED3C0A}"/>
-              </a:ext>
-            </a:extLst>
-          </p:cNvPr>
-          <p:cNvSpPr>
-            <a:spLocks noGrp="1"/>
-          </p:cNvSpPr>
-          <p:nvPr>
-            <p:ph type="sldNum" sz="quarter" idx="12"/>
-          </p:nvPr>
-        </p:nvSpPr>
-        <p:spPr/>
-        <p:txBody>
-          <a:bodyPr/>
-          <a:lstStyle/>
-          <a:p>
-            <a:fld id="{61E82C7E-8EA5-4FA1-90C8-0763E1FC950E}" type="slidenum">
-              <a:rPr kumimoji="1" lang="ja-JP" altLang="en-US" smtClean="0"/>
-              <a:t>‹#›</a:t>
-            </a:fld>
-            <a:endParaRPr kumimoji="1" lang="ja-JP" altLang="en-US"/>
-          </a:p>
-        </p:txBody>
-      </p:sp>
-      <p:sp>
-        <p:nvSpPr>
-          <p:cNvPr id="8" name="テキスト ボックス 7">
-            <a:extLst>
-              <a:ext uri="{FF2B5EF4-FFF2-40B4-BE49-F238E27FC236}">
-                <a16:creationId xmlns:a16="http://schemas.microsoft.com/office/drawing/2014/main" id="{741B3A64-A85D-74E8-2607-132B8A607046}"/>
+                <a16:creationId xmlns:a16="http://schemas.microsoft.com/office/drawing/2014/main" id="{4728F9AA-969D-9A9B-C1C5-823EE2893BA8}"/>
               </a:ext>
             </a:extLst>
           </p:cNvPr>
@@ -711,7 +658,7 @@
         </p:nvSpPr>
         <p:spPr>
           <a:xfrm>
-            <a:off x="838199" y="612210"/>
+            <a:off x="838199" y="173298"/>
             <a:ext cx="9574531" cy="769441"/>
           </a:xfrm>
           <a:prstGeom prst="rect">
@@ -744,16 +691,16 @@
               </a:rPr>
               <a:t>モジュールに分けよう</a:t>
             </a:r>
-            <a:endParaRPr lang="ja-JP" altLang="en-US" sz="4400" dirty="0"/>
+            <a:endParaRPr lang="ja-JP" altLang="en-US" dirty="0"/>
           </a:p>
         </p:txBody>
       </p:sp>
       <p:sp>
         <p:nvSpPr>
-          <p:cNvPr id="9" name="テキスト ボックス 8">
+          <p:cNvPr id="10" name="テキスト ボックス 9">
             <a:extLst>
               <a:ext uri="{FF2B5EF4-FFF2-40B4-BE49-F238E27FC236}">
-                <a16:creationId xmlns:a16="http://schemas.microsoft.com/office/drawing/2014/main" id="{7A4C544A-58FC-78A3-A615-52035B1303B7}"/>
+                <a16:creationId xmlns:a16="http://schemas.microsoft.com/office/drawing/2014/main" id="{9E6E3624-AEE2-E33B-2B05-77B843C9DE15}"/>
               </a:ext>
             </a:extLst>
           </p:cNvPr>
@@ -762,7 +709,7 @@
         </p:nvSpPr>
         <p:spPr>
           <a:xfrm>
-            <a:off x="838199" y="1352401"/>
+            <a:off x="838199" y="913489"/>
             <a:ext cx="9437017" cy="372346"/>
           </a:xfrm>
           <a:prstGeom prst="rect">
@@ -846,10 +793,10 @@
       </p:sp>
       <p:sp>
         <p:nvSpPr>
-          <p:cNvPr id="7" name="テキスト ボックス 6">
+          <p:cNvPr id="5" name="テキスト ボックス 4">
             <a:extLst>
               <a:ext uri="{FF2B5EF4-FFF2-40B4-BE49-F238E27FC236}">
-                <a16:creationId xmlns:a16="http://schemas.microsoft.com/office/drawing/2014/main" id="{8AA301F9-F9D2-23A0-6F0B-2C2D334696B8}"/>
+                <a16:creationId xmlns:a16="http://schemas.microsoft.com/office/drawing/2014/main" id="{D0069AAB-0099-7EAC-7F33-8EAFFA0C5B19}"/>
               </a:ext>
             </a:extLst>
           </p:cNvPr>
@@ -858,13 +805,15 @@
         </p:nvSpPr>
         <p:spPr>
           <a:xfrm>
-            <a:off x="4425696" y="6488668"/>
-            <a:ext cx="7961376" cy="369332"/>
+            <a:off x="2754983" y="6485654"/>
+            <a:ext cx="9437017" cy="372346"/>
           </a:xfrm>
           <a:prstGeom prst="rect">
             <a:avLst/>
           </a:prstGeom>
-          <a:noFill/>
+          <a:solidFill>
+            <a:schemeClr val="bg1"/>
+          </a:solidFill>
         </p:spPr>
         <p:txBody>
           <a:bodyPr wrap="square">
@@ -872,19 +821,86 @@
           </a:bodyPr>
           <a:lstStyle/>
           <a:p>
-            <a:r>
-              <a:rPr lang="ja-JP" altLang="en-US" dirty="0">
-                <a:hlinkClick r:id="rId2"/>
+            <a:pPr marR="0" lvl="0" algn="r" defTabSz="914400" rtl="0" eaLnBrk="1" fontAlgn="auto" latinLnBrk="0" hangingPunct="1">
+              <a:lnSpc>
+                <a:spcPct val="90000"/>
+              </a:lnSpc>
+              <a:spcBef>
+                <a:spcPts val="1000"/>
+              </a:spcBef>
+              <a:spcAft>
+                <a:spcPts val="0"/>
+              </a:spcAft>
+              <a:buClrTx/>
+              <a:buSzTx/>
+              <a:tabLst/>
+              <a:defRPr/>
+            </a:pPr>
+            <a:r>
+              <a:rPr kumimoji="1" lang="ja-JP" altLang="en-US" sz="2000" b="0" i="0" u="none" strike="noStrike" kern="1200" cap="none" spc="0" normalizeH="0" baseline="0" noProof="0" dirty="0">
+                <a:ln>
+                  <a:noFill/>
+                </a:ln>
+                <a:solidFill>
+                  <a:schemeClr val="accent1"/>
+                </a:solidFill>
+                <a:effectLst/>
+                <a:uLnTx/>
+                <a:uFillTx/>
+                <a:latin typeface="游ゴシック" panose="020F0502020204030204"/>
+                <a:ea typeface="游ゴシック" panose="020B0400000000000000" pitchFamily="50" charset="-128"/>
+                <a:cs typeface="+mn-cs"/>
               </a:rPr>
-              <a:t>セマンティック バージョニング </a:t>
-            </a:r>
-            <a:r>
-              <a:rPr lang="en-US" altLang="ja-JP" dirty="0">
-                <a:hlinkClick r:id="rId2"/>
+              <a:t>余裕があれば</a:t>
+            </a:r>
+            <a:r>
+              <a:rPr kumimoji="1" lang="en-US" altLang="ja-JP" sz="2000" b="0" i="0" u="none" strike="noStrike" kern="1200" cap="none" spc="0" normalizeH="0" baseline="0" noProof="0" dirty="0">
+                <a:ln>
+                  <a:noFill/>
+                </a:ln>
+                <a:solidFill>
+                  <a:schemeClr val="accent1"/>
+                </a:solidFill>
+                <a:effectLst/>
+                <a:uLnTx/>
+                <a:uFillTx/>
+                <a:latin typeface="游ゴシック" panose="020F0502020204030204"/>
+                <a:ea typeface="游ゴシック" panose="020B0400000000000000" pitchFamily="50" charset="-128"/>
+                <a:cs typeface="+mn-cs"/>
               </a:rPr>
-              <a:t>2.0.0 | Semantic Versioning (semver.org)</a:t>
-            </a:r>
-            <a:endParaRPr lang="ja-JP" altLang="en-US" dirty="0"/>
+              <a:t>…</a:t>
+            </a:r>
+            <a:r>
+              <a:rPr kumimoji="1" lang="ja-JP" altLang="en-US" sz="2000" b="0" i="0" u="none" strike="noStrike" kern="1200" cap="none" spc="0" normalizeH="0" baseline="0" noProof="0" dirty="0">
+                <a:ln>
+                  <a:noFill/>
+                </a:ln>
+                <a:solidFill>
+                  <a:schemeClr val="accent1"/>
+                </a:solidFill>
+                <a:effectLst/>
+                <a:uLnTx/>
+                <a:uFillTx/>
+                <a:latin typeface="游ゴシック" panose="020F0502020204030204"/>
+                <a:ea typeface="游ゴシック" panose="020B0400000000000000" pitchFamily="50" charset="-128"/>
+                <a:cs typeface="+mn-cs"/>
+              </a:rPr>
+              <a:t>分けたグループをフォルダに見立てて名前を付けてみよう</a:t>
+            </a:r>
+            <a:endParaRPr kumimoji="1" lang="en-US" altLang="ja-JP" sz="2000" b="0" i="0" u="none" strike="noStrike" kern="1200" cap="none" spc="0" normalizeH="0" baseline="0" noProof="0" dirty="0">
+              <a:ln>
+                <a:noFill/>
+              </a:ln>
+              <a:solidFill>
+                <a:schemeClr val="accent1"/>
+              </a:solidFill>
+              <a:effectLst/>
+              <a:uLnTx/>
+              <a:uFillTx/>
+              <a:latin typeface="游ゴシック" panose="020F0502020204030204"/>
+              <a:ea typeface="游ゴシック" panose="020B0400000000000000" pitchFamily="50" charset="-128"/>
+              <a:cs typeface="+mn-cs"/>
+            </a:endParaRPr>
           </a:p>
         </p:txBody>
       </p:sp>
@@ -932,10 +948,2963 @@
           </a:p>
         </p:txBody>
       </p:sp>
+      <p:sp>
+        <p:nvSpPr>
+          <p:cNvPr id="32" name="四角形: 角を丸くする 31">
+            <a:extLst>
+              <a:ext uri="{FF2B5EF4-FFF2-40B4-BE49-F238E27FC236}">
+                <a16:creationId xmlns:a16="http://schemas.microsoft.com/office/drawing/2014/main" id="{8F3B27BA-A184-0DE4-480E-A10248DE9359}"/>
+              </a:ext>
+            </a:extLst>
+          </p:cNvPr>
+          <p:cNvSpPr/>
+          <p:nvPr userDrawn="1"/>
+        </p:nvSpPr>
+        <p:spPr>
+          <a:xfrm>
+            <a:off x="6306963" y="4561415"/>
+            <a:ext cx="4105767" cy="1738867"/>
+          </a:xfrm>
+          <a:prstGeom prst="roundRect">
+            <a:avLst>
+              <a:gd name="adj" fmla="val 8423"/>
+            </a:avLst>
+          </a:prstGeom>
+          <a:solidFill>
+            <a:schemeClr val="bg1">
+              <a:lumMod val="85000"/>
+              <a:alpha val="50000"/>
+            </a:schemeClr>
+          </a:solidFill>
+          <a:ln>
+            <a:noFill/>
+          </a:ln>
+        </p:spPr>
+        <p:style>
+          <a:lnRef idx="0">
+            <a:scrgbClr r="0" g="0" b="0"/>
+          </a:lnRef>
+          <a:fillRef idx="0">
+            <a:scrgbClr r="0" g="0" b="0"/>
+          </a:fillRef>
+          <a:effectRef idx="0">
+            <a:scrgbClr r="0" g="0" b="0"/>
+          </a:effectRef>
+          <a:fontRef idx="minor">
+            <a:schemeClr val="lt1"/>
+          </a:fontRef>
+        </p:style>
+        <p:txBody>
+          <a:bodyPr rtlCol="0" anchor="t"/>
+          <a:lstStyle/>
+          <a:p>
+            <a:pPr algn="l"/>
+            <a:r>
+              <a:rPr kumimoji="1" lang="en-US" altLang="ja-JP" b="0" cap="none" spc="0" dirty="0" err="1">
+                <a:ln w="0"/>
+                <a:solidFill>
+                  <a:schemeClr val="tx1"/>
+                </a:solidFill>
+                <a:effectLst>
+                  <a:outerShdw blurRad="38100" dist="19050" dir="2700000" algn="tl" rotWithShape="0">
+                    <a:schemeClr val="dk1">
+                      <a:alpha val="40000"/>
+                    </a:schemeClr>
+                  </a:outerShdw>
+                </a:effectLst>
+              </a:rPr>
+              <a:t>DetailView</a:t>
+            </a:r>
+            <a:endParaRPr kumimoji="1" lang="ja-JP" altLang="en-US" b="0" cap="none" spc="0" dirty="0">
+              <a:ln w="0"/>
+              <a:solidFill>
+                <a:schemeClr val="tx1"/>
+              </a:solidFill>
+              <a:effectLst>
+                <a:outerShdw blurRad="38100" dist="19050" dir="2700000" algn="tl" rotWithShape="0">
+                  <a:schemeClr val="dk1">
+                    <a:alpha val="40000"/>
+                  </a:schemeClr>
+                </a:outerShdw>
+              </a:effectLst>
+            </a:endParaRPr>
+          </a:p>
+        </p:txBody>
+      </p:sp>
+      <p:sp>
+        <p:nvSpPr>
+          <p:cNvPr id="33" name="四角形: 角を丸くする 32">
+            <a:extLst>
+              <a:ext uri="{FF2B5EF4-FFF2-40B4-BE49-F238E27FC236}">
+                <a16:creationId xmlns:a16="http://schemas.microsoft.com/office/drawing/2014/main" id="{949416EC-0A7F-8AD4-E07B-75F6B61C2EC7}"/>
+              </a:ext>
+            </a:extLst>
+          </p:cNvPr>
+          <p:cNvSpPr/>
+          <p:nvPr userDrawn="1"/>
+        </p:nvSpPr>
+        <p:spPr>
+          <a:xfrm>
+            <a:off x="6306963" y="2550493"/>
+            <a:ext cx="4105767" cy="1738867"/>
+          </a:xfrm>
+          <a:prstGeom prst="roundRect">
+            <a:avLst>
+              <a:gd name="adj" fmla="val 8423"/>
+            </a:avLst>
+          </a:prstGeom>
+          <a:solidFill>
+            <a:schemeClr val="bg1">
+              <a:lumMod val="85000"/>
+              <a:alpha val="50000"/>
+            </a:schemeClr>
+          </a:solidFill>
+          <a:ln>
+            <a:noFill/>
+          </a:ln>
+        </p:spPr>
+        <p:style>
+          <a:lnRef idx="0">
+            <a:scrgbClr r="0" g="0" b="0"/>
+          </a:lnRef>
+          <a:fillRef idx="0">
+            <a:scrgbClr r="0" g="0" b="0"/>
+          </a:fillRef>
+          <a:effectRef idx="0">
+            <a:scrgbClr r="0" g="0" b="0"/>
+          </a:effectRef>
+          <a:fontRef idx="minor">
+            <a:schemeClr val="lt1"/>
+          </a:fontRef>
+        </p:style>
+        <p:txBody>
+          <a:bodyPr rtlCol="0" anchor="t"/>
+          <a:lstStyle/>
+          <a:p>
+            <a:pPr algn="l"/>
+            <a:r>
+              <a:rPr kumimoji="1" lang="en-US" altLang="ja-JP" b="0" cap="none" spc="0" dirty="0" err="1">
+                <a:ln w="0"/>
+                <a:solidFill>
+                  <a:schemeClr val="tx1"/>
+                </a:solidFill>
+                <a:effectLst>
+                  <a:outerShdw blurRad="38100" dist="19050" dir="2700000" algn="tl" rotWithShape="0">
+                    <a:schemeClr val="dk1">
+                      <a:alpha val="40000"/>
+                    </a:schemeClr>
+                  </a:outerShdw>
+                </a:effectLst>
+              </a:rPr>
+              <a:t>MainView</a:t>
+            </a:r>
+            <a:endParaRPr kumimoji="1" lang="ja-JP" altLang="en-US" b="0" cap="none" spc="0" dirty="0">
+              <a:ln w="0"/>
+              <a:solidFill>
+                <a:schemeClr val="tx1"/>
+              </a:solidFill>
+              <a:effectLst>
+                <a:outerShdw blurRad="38100" dist="19050" dir="2700000" algn="tl" rotWithShape="0">
+                  <a:schemeClr val="dk1">
+                    <a:alpha val="40000"/>
+                  </a:schemeClr>
+                </a:outerShdw>
+              </a:effectLst>
+            </a:endParaRPr>
+          </a:p>
+        </p:txBody>
+      </p:sp>
+      <p:sp>
+        <p:nvSpPr>
+          <p:cNvPr id="31" name="四角形: 角を丸くする 30">
+            <a:extLst>
+              <a:ext uri="{FF2B5EF4-FFF2-40B4-BE49-F238E27FC236}">
+                <a16:creationId xmlns:a16="http://schemas.microsoft.com/office/drawing/2014/main" id="{537E8CA1-6FB8-6771-E1DC-26BFDD3F6BE0}"/>
+              </a:ext>
+            </a:extLst>
+          </p:cNvPr>
+          <p:cNvSpPr/>
+          <p:nvPr userDrawn="1"/>
+        </p:nvSpPr>
+        <p:spPr>
+          <a:xfrm>
+            <a:off x="6306963" y="1509604"/>
+            <a:ext cx="4105767" cy="836341"/>
+          </a:xfrm>
+          <a:prstGeom prst="roundRect">
+            <a:avLst>
+              <a:gd name="adj" fmla="val 8423"/>
+            </a:avLst>
+          </a:prstGeom>
+          <a:solidFill>
+            <a:schemeClr val="bg1">
+              <a:lumMod val="85000"/>
+              <a:alpha val="50000"/>
+            </a:schemeClr>
+          </a:solidFill>
+          <a:ln>
+            <a:noFill/>
+          </a:ln>
+        </p:spPr>
+        <p:style>
+          <a:lnRef idx="0">
+            <a:scrgbClr r="0" g="0" b="0"/>
+          </a:lnRef>
+          <a:fillRef idx="0">
+            <a:scrgbClr r="0" g="0" b="0"/>
+          </a:fillRef>
+          <a:effectRef idx="0">
+            <a:scrgbClr r="0" g="0" b="0"/>
+          </a:effectRef>
+          <a:fontRef idx="minor">
+            <a:schemeClr val="lt1"/>
+          </a:fontRef>
+        </p:style>
+        <p:txBody>
+          <a:bodyPr rtlCol="0" anchor="t"/>
+          <a:lstStyle/>
+          <a:p>
+            <a:pPr algn="l"/>
+            <a:r>
+              <a:rPr kumimoji="1" lang="en-US" altLang="ja-JP" b="0" cap="none" spc="0" dirty="0">
+                <a:ln w="0"/>
+                <a:solidFill>
+                  <a:schemeClr val="tx1"/>
+                </a:solidFill>
+                <a:effectLst>
+                  <a:outerShdw blurRad="38100" dist="19050" dir="2700000" algn="tl" rotWithShape="0">
+                    <a:schemeClr val="dk1">
+                      <a:alpha val="40000"/>
+                    </a:schemeClr>
+                  </a:outerShdw>
+                </a:effectLst>
+              </a:rPr>
+              <a:t>Router</a:t>
+            </a:r>
+            <a:endParaRPr kumimoji="1" lang="ja-JP" altLang="en-US" b="0" cap="none" spc="0" dirty="0">
+              <a:ln w="0"/>
+              <a:solidFill>
+                <a:schemeClr val="tx1"/>
+              </a:solidFill>
+              <a:effectLst>
+                <a:outerShdw blurRad="38100" dist="19050" dir="2700000" algn="tl" rotWithShape="0">
+                  <a:schemeClr val="dk1">
+                    <a:alpha val="40000"/>
+                  </a:schemeClr>
+                </a:outerShdw>
+              </a:effectLst>
+            </a:endParaRPr>
+          </a:p>
+        </p:txBody>
+      </p:sp>
+      <p:sp>
+        <p:nvSpPr>
+          <p:cNvPr id="30" name="四角形: 角を丸くする 29">
+            <a:extLst>
+              <a:ext uri="{FF2B5EF4-FFF2-40B4-BE49-F238E27FC236}">
+                <a16:creationId xmlns:a16="http://schemas.microsoft.com/office/drawing/2014/main" id="{B86B43DB-E3DE-9A23-0A63-08047143F242}"/>
+              </a:ext>
+            </a:extLst>
+          </p:cNvPr>
+          <p:cNvSpPr/>
+          <p:nvPr userDrawn="1"/>
+        </p:nvSpPr>
+        <p:spPr>
+          <a:xfrm>
+            <a:off x="1360065" y="3128630"/>
+            <a:ext cx="3842415" cy="2903404"/>
+          </a:xfrm>
+          <a:prstGeom prst="roundRect">
+            <a:avLst>
+              <a:gd name="adj" fmla="val 6323"/>
+            </a:avLst>
+          </a:prstGeom>
+          <a:solidFill>
+            <a:schemeClr val="bg1">
+              <a:lumMod val="85000"/>
+              <a:alpha val="50000"/>
+            </a:schemeClr>
+          </a:solidFill>
+          <a:ln>
+            <a:noFill/>
+          </a:ln>
+        </p:spPr>
+        <p:style>
+          <a:lnRef idx="0">
+            <a:scrgbClr r="0" g="0" b="0"/>
+          </a:lnRef>
+          <a:fillRef idx="0">
+            <a:scrgbClr r="0" g="0" b="0"/>
+          </a:fillRef>
+          <a:effectRef idx="0">
+            <a:scrgbClr r="0" g="0" b="0"/>
+          </a:effectRef>
+          <a:fontRef idx="minor">
+            <a:schemeClr val="lt1"/>
+          </a:fontRef>
+        </p:style>
+        <p:txBody>
+          <a:bodyPr rtlCol="0" anchor="t"/>
+          <a:lstStyle/>
+          <a:p>
+            <a:pPr algn="l"/>
+            <a:r>
+              <a:rPr kumimoji="1" lang="en-US" altLang="ja-JP" b="0" cap="none" spc="0" dirty="0">
+                <a:ln w="0"/>
+                <a:solidFill>
+                  <a:schemeClr val="tx1"/>
+                </a:solidFill>
+                <a:effectLst>
+                  <a:outerShdw blurRad="38100" dist="19050" dir="2700000" algn="tl" rotWithShape="0">
+                    <a:schemeClr val="dk1">
+                      <a:alpha val="40000"/>
+                    </a:schemeClr>
+                  </a:outerShdw>
+                </a:effectLst>
+              </a:rPr>
+              <a:t>Model</a:t>
+            </a:r>
+            <a:endParaRPr kumimoji="1" lang="ja-JP" altLang="en-US" b="0" cap="none" spc="0" dirty="0">
+              <a:ln w="0"/>
+              <a:solidFill>
+                <a:schemeClr val="tx1"/>
+              </a:solidFill>
+              <a:effectLst>
+                <a:outerShdw blurRad="38100" dist="19050" dir="2700000" algn="tl" rotWithShape="0">
+                  <a:schemeClr val="dk1">
+                    <a:alpha val="40000"/>
+                  </a:schemeClr>
+                </a:outerShdw>
+              </a:effectLst>
+            </a:endParaRPr>
+          </a:p>
+        </p:txBody>
+      </p:sp>
+      <p:sp>
+        <p:nvSpPr>
+          <p:cNvPr id="29" name="四角形: 角を丸くする 28">
+            <a:extLst>
+              <a:ext uri="{FF2B5EF4-FFF2-40B4-BE49-F238E27FC236}">
+                <a16:creationId xmlns:a16="http://schemas.microsoft.com/office/drawing/2014/main" id="{8CF95B56-1034-7E65-2200-98489C78EFCA}"/>
+              </a:ext>
+            </a:extLst>
+          </p:cNvPr>
+          <p:cNvSpPr/>
+          <p:nvPr userDrawn="1"/>
+        </p:nvSpPr>
+        <p:spPr>
+          <a:xfrm>
+            <a:off x="1347111" y="1614549"/>
+            <a:ext cx="3855369" cy="1292024"/>
+          </a:xfrm>
+          <a:prstGeom prst="roundRect">
+            <a:avLst>
+              <a:gd name="adj" fmla="val 8423"/>
+            </a:avLst>
+          </a:prstGeom>
+          <a:solidFill>
+            <a:schemeClr val="bg1">
+              <a:lumMod val="85000"/>
+              <a:alpha val="50000"/>
+            </a:schemeClr>
+          </a:solidFill>
+          <a:ln>
+            <a:noFill/>
+          </a:ln>
+        </p:spPr>
+        <p:style>
+          <a:lnRef idx="0">
+            <a:scrgbClr r="0" g="0" b="0"/>
+          </a:lnRef>
+          <a:fillRef idx="0">
+            <a:scrgbClr r="0" g="0" b="0"/>
+          </a:fillRef>
+          <a:effectRef idx="0">
+            <a:scrgbClr r="0" g="0" b="0"/>
+          </a:effectRef>
+          <a:fontRef idx="minor">
+            <a:schemeClr val="lt1"/>
+          </a:fontRef>
+        </p:style>
+        <p:txBody>
+          <a:bodyPr rtlCol="0" anchor="t"/>
+          <a:lstStyle/>
+          <a:p>
+            <a:pPr algn="l"/>
+            <a:r>
+              <a:rPr kumimoji="1" lang="en-US" altLang="ja-JP" b="0" cap="none" spc="0" dirty="0">
+                <a:ln w="0"/>
+                <a:solidFill>
+                  <a:schemeClr val="tx1"/>
+                </a:solidFill>
+                <a:effectLst>
+                  <a:outerShdw blurRad="38100" dist="19050" dir="2700000" algn="tl" rotWithShape="0">
+                    <a:schemeClr val="dk1">
+                      <a:alpha val="40000"/>
+                    </a:schemeClr>
+                  </a:outerShdw>
+                </a:effectLst>
+              </a:rPr>
+              <a:t>App</a:t>
+            </a:r>
+            <a:endParaRPr kumimoji="1" lang="ja-JP" altLang="en-US" b="0" cap="none" spc="0" dirty="0">
+              <a:ln w="0"/>
+              <a:solidFill>
+                <a:schemeClr val="tx1"/>
+              </a:solidFill>
+              <a:effectLst>
+                <a:outerShdw blurRad="38100" dist="19050" dir="2700000" algn="tl" rotWithShape="0">
+                  <a:schemeClr val="dk1">
+                    <a:alpha val="40000"/>
+                  </a:schemeClr>
+                </a:outerShdw>
+              </a:effectLst>
+            </a:endParaRPr>
+          </a:p>
+        </p:txBody>
+      </p:sp>
+      <p:sp>
+        <p:nvSpPr>
+          <p:cNvPr id="12" name="テキスト ボックス 11">
+            <a:extLst>
+              <a:ext uri="{FF2B5EF4-FFF2-40B4-BE49-F238E27FC236}">
+                <a16:creationId xmlns:a16="http://schemas.microsoft.com/office/drawing/2014/main" id="{E8DB9793-011E-B87A-012C-7E91B16095A0}"/>
+              </a:ext>
+            </a:extLst>
+          </p:cNvPr>
+          <p:cNvSpPr txBox="1"/>
+          <p:nvPr userDrawn="1"/>
+        </p:nvSpPr>
+        <p:spPr>
+          <a:xfrm>
+            <a:off x="2451594" y="2318630"/>
+            <a:ext cx="2520000" cy="422405"/>
+          </a:xfrm>
+          <a:prstGeom prst="rect">
+            <a:avLst/>
+          </a:prstGeom>
+        </p:spPr>
+        <p:style>
+          <a:lnRef idx="1">
+            <a:schemeClr val="accent5"/>
+          </a:lnRef>
+          <a:fillRef idx="2">
+            <a:schemeClr val="accent5"/>
+          </a:fillRef>
+          <a:effectRef idx="1">
+            <a:schemeClr val="accent5"/>
+          </a:effectRef>
+          <a:fontRef idx="minor">
+            <a:schemeClr val="dk1"/>
+          </a:fontRef>
+        </p:style>
+        <p:txBody>
+          <a:bodyPr wrap="square" tIns="72000" bIns="72000">
+            <a:spAutoFit/>
+          </a:bodyPr>
+          <a:lstStyle/>
+          <a:p>
+            <a:pPr algn="ctr"/>
+            <a:r>
+              <a:rPr lang="en-US" altLang="ja-JP" dirty="0" err="1">
+                <a:latin typeface="Segoe UI Semibold" panose="020B0702040204020203" pitchFamily="34" charset="0"/>
+                <a:cs typeface="Segoe UI Semibold" panose="020B0702040204020203" pitchFamily="34" charset="0"/>
+              </a:rPr>
+              <a:t>AppContent</a:t>
+            </a:r>
+            <a:endParaRPr lang="en-US" altLang="ja-JP" dirty="0">
+              <a:latin typeface="Segoe UI Semibold" panose="020B0702040204020203" pitchFamily="34" charset="0"/>
+              <a:cs typeface="Segoe UI Semibold" panose="020B0702040204020203" pitchFamily="34" charset="0"/>
+            </a:endParaRPr>
+          </a:p>
+        </p:txBody>
+      </p:sp>
+      <p:sp>
+        <p:nvSpPr>
+          <p:cNvPr id="13" name="テキスト ボックス 12">
+            <a:extLst>
+              <a:ext uri="{FF2B5EF4-FFF2-40B4-BE49-F238E27FC236}">
+                <a16:creationId xmlns:a16="http://schemas.microsoft.com/office/drawing/2014/main" id="{FB7396A8-71E2-E66B-ECF1-8E9CA367E589}"/>
+              </a:ext>
+            </a:extLst>
+          </p:cNvPr>
+          <p:cNvSpPr txBox="1"/>
+          <p:nvPr userDrawn="1"/>
+        </p:nvSpPr>
+        <p:spPr>
+          <a:xfrm>
+            <a:off x="2451594" y="1838156"/>
+            <a:ext cx="2520000" cy="422405"/>
+          </a:xfrm>
+          <a:prstGeom prst="rect">
+            <a:avLst/>
+          </a:prstGeom>
+        </p:spPr>
+        <p:style>
+          <a:lnRef idx="1">
+            <a:schemeClr val="accent5"/>
+          </a:lnRef>
+          <a:fillRef idx="2">
+            <a:schemeClr val="accent5"/>
+          </a:fillRef>
+          <a:effectRef idx="1">
+            <a:schemeClr val="accent5"/>
+          </a:effectRef>
+          <a:fontRef idx="minor">
+            <a:schemeClr val="dk1"/>
+          </a:fontRef>
+        </p:style>
+        <p:txBody>
+          <a:bodyPr wrap="square" tIns="72000" bIns="72000">
+            <a:spAutoFit/>
+          </a:bodyPr>
+          <a:lstStyle/>
+          <a:p>
+            <a:pPr algn="ctr"/>
+            <a:r>
+              <a:rPr lang="en-US" altLang="ja-JP" dirty="0" err="1">
+                <a:latin typeface="Segoe UI Semibold" panose="020B0702040204020203" pitchFamily="34" charset="0"/>
+                <a:cs typeface="Segoe UI Semibold" panose="020B0702040204020203" pitchFamily="34" charset="0"/>
+              </a:rPr>
+              <a:t>AppDelegate</a:t>
+            </a:r>
+            <a:endParaRPr lang="en-US" altLang="ja-JP" dirty="0">
+              <a:latin typeface="Segoe UI Semibold" panose="020B0702040204020203" pitchFamily="34" charset="0"/>
+              <a:cs typeface="Segoe UI Semibold" panose="020B0702040204020203" pitchFamily="34" charset="0"/>
+            </a:endParaRPr>
+          </a:p>
+        </p:txBody>
+      </p:sp>
+      <p:grpSp>
+        <p:nvGrpSpPr>
+          <p:cNvPr id="28" name="グループ化 27">
+            <a:extLst>
+              <a:ext uri="{FF2B5EF4-FFF2-40B4-BE49-F238E27FC236}">
+                <a16:creationId xmlns:a16="http://schemas.microsoft.com/office/drawing/2014/main" id="{F8EBD0EA-5EB5-E09F-ACB3-01DBC025914F}"/>
+              </a:ext>
+            </a:extLst>
+          </p:cNvPr>
+          <p:cNvGrpSpPr/>
+          <p:nvPr userDrawn="1"/>
+        </p:nvGrpSpPr>
+        <p:grpSpPr>
+          <a:xfrm>
+            <a:off x="2451594" y="3455950"/>
+            <a:ext cx="2520000" cy="2328644"/>
+            <a:chOff x="5354820" y="1778891"/>
+            <a:chExt cx="2520000" cy="2328644"/>
+          </a:xfrm>
+        </p:grpSpPr>
+        <p:sp>
+          <p:nvSpPr>
+            <p:cNvPr id="14" name="テキスト ボックス 13">
+              <a:extLst>
+                <a:ext uri="{FF2B5EF4-FFF2-40B4-BE49-F238E27FC236}">
+                  <a16:creationId xmlns:a16="http://schemas.microsoft.com/office/drawing/2014/main" id="{D000F664-39BF-6A06-BB47-B45B73DFEBBF}"/>
+                </a:ext>
+              </a:extLst>
+            </p:cNvPr>
+            <p:cNvSpPr txBox="1"/>
+            <p:nvPr userDrawn="1"/>
+          </p:nvSpPr>
+          <p:spPr>
+            <a:xfrm>
+              <a:off x="5354820" y="2259365"/>
+              <a:ext cx="2520000" cy="422405"/>
+            </a:xfrm>
+            <a:prstGeom prst="rect">
+              <a:avLst/>
+            </a:prstGeom>
+          </p:spPr>
+          <p:style>
+            <a:lnRef idx="1">
+              <a:schemeClr val="accent5"/>
+            </a:lnRef>
+            <a:fillRef idx="2">
+              <a:schemeClr val="accent5"/>
+            </a:fillRef>
+            <a:effectRef idx="1">
+              <a:schemeClr val="accent5"/>
+            </a:effectRef>
+            <a:fontRef idx="minor">
+              <a:schemeClr val="dk1"/>
+            </a:fontRef>
+          </p:style>
+          <p:txBody>
+            <a:bodyPr wrap="square" tIns="72000" bIns="72000">
+              <a:spAutoFit/>
+            </a:bodyPr>
+            <a:lstStyle/>
+            <a:p>
+              <a:pPr algn="ctr"/>
+              <a:r>
+                <a:rPr lang="en-US" altLang="ja-JP" dirty="0" err="1">
+                  <a:latin typeface="Segoe UI Semibold" panose="020B0702040204020203" pitchFamily="34" charset="0"/>
+                  <a:cs typeface="Segoe UI Semibold" panose="020B0702040204020203" pitchFamily="34" charset="0"/>
+                </a:rPr>
+                <a:t>GitHubSearcher</a:t>
+              </a:r>
+              <a:endParaRPr lang="en-US" altLang="ja-JP" dirty="0">
+                <a:latin typeface="Segoe UI Semibold" panose="020B0702040204020203" pitchFamily="34" charset="0"/>
+                <a:cs typeface="Segoe UI Semibold" panose="020B0702040204020203" pitchFamily="34" charset="0"/>
+              </a:endParaRPr>
+            </a:p>
+          </p:txBody>
+        </p:sp>
+        <p:sp>
+          <p:nvSpPr>
+            <p:cNvPr id="15" name="テキスト ボックス 14">
+              <a:extLst>
+                <a:ext uri="{FF2B5EF4-FFF2-40B4-BE49-F238E27FC236}">
+                  <a16:creationId xmlns:a16="http://schemas.microsoft.com/office/drawing/2014/main" id="{3F63CB79-D0AA-F169-2194-7420DAEDAE90}"/>
+                </a:ext>
+              </a:extLst>
+            </p:cNvPr>
+            <p:cNvSpPr txBox="1"/>
+            <p:nvPr userDrawn="1"/>
+          </p:nvSpPr>
+          <p:spPr>
+            <a:xfrm>
+              <a:off x="5354820" y="1778891"/>
+              <a:ext cx="2520000" cy="422405"/>
+            </a:xfrm>
+            <a:prstGeom prst="rect">
+              <a:avLst/>
+            </a:prstGeom>
+          </p:spPr>
+          <p:style>
+            <a:lnRef idx="1">
+              <a:schemeClr val="accent5"/>
+            </a:lnRef>
+            <a:fillRef idx="2">
+              <a:schemeClr val="accent5"/>
+            </a:fillRef>
+            <a:effectRef idx="1">
+              <a:schemeClr val="accent5"/>
+            </a:effectRef>
+            <a:fontRef idx="minor">
+              <a:schemeClr val="dk1"/>
+            </a:fontRef>
+          </p:style>
+          <p:txBody>
+            <a:bodyPr wrap="square" tIns="72000" bIns="72000">
+              <a:spAutoFit/>
+            </a:bodyPr>
+            <a:lstStyle/>
+            <a:p>
+              <a:pPr algn="ctr"/>
+              <a:r>
+                <a:rPr lang="en-US" altLang="ja-JP" dirty="0" err="1">
+                  <a:latin typeface="Segoe UI Semibold" panose="020B0702040204020203" pitchFamily="34" charset="0"/>
+                  <a:cs typeface="Segoe UI Semibold" panose="020B0702040204020203" pitchFamily="34" charset="0"/>
+                </a:rPr>
+                <a:t>GitHubAPIClient</a:t>
+              </a:r>
+              <a:endParaRPr lang="en-US" altLang="ja-JP" dirty="0">
+                <a:latin typeface="Segoe UI Semibold" panose="020B0702040204020203" pitchFamily="34" charset="0"/>
+                <a:cs typeface="Segoe UI Semibold" panose="020B0702040204020203" pitchFamily="34" charset="0"/>
+              </a:endParaRPr>
+            </a:p>
+          </p:txBody>
+        </p:sp>
+        <p:sp>
+          <p:nvSpPr>
+            <p:cNvPr id="16" name="テキスト ボックス 15">
+              <a:extLst>
+                <a:ext uri="{FF2B5EF4-FFF2-40B4-BE49-F238E27FC236}">
+                  <a16:creationId xmlns:a16="http://schemas.microsoft.com/office/drawing/2014/main" id="{73AB16C8-C216-383F-5AD1-84BA928DC49E}"/>
+                </a:ext>
+              </a:extLst>
+            </p:cNvPr>
+            <p:cNvSpPr txBox="1"/>
+            <p:nvPr userDrawn="1"/>
+          </p:nvSpPr>
+          <p:spPr>
+            <a:xfrm>
+              <a:off x="5354820" y="2729096"/>
+              <a:ext cx="2520000" cy="422405"/>
+            </a:xfrm>
+            <a:prstGeom prst="rect">
+              <a:avLst/>
+            </a:prstGeom>
+          </p:spPr>
+          <p:style>
+            <a:lnRef idx="1">
+              <a:schemeClr val="accent5"/>
+            </a:lnRef>
+            <a:fillRef idx="2">
+              <a:schemeClr val="accent5"/>
+            </a:fillRef>
+            <a:effectRef idx="1">
+              <a:schemeClr val="accent5"/>
+            </a:effectRef>
+            <a:fontRef idx="minor">
+              <a:schemeClr val="dk1"/>
+            </a:fontRef>
+          </p:style>
+          <p:txBody>
+            <a:bodyPr wrap="square" tIns="72000" bIns="72000">
+              <a:spAutoFit/>
+            </a:bodyPr>
+            <a:lstStyle/>
+            <a:p>
+              <a:pPr algn="ctr"/>
+              <a:r>
+                <a:rPr lang="en-US" altLang="ja-JP" dirty="0" err="1">
+                  <a:latin typeface="Segoe UI Semibold" panose="020B0702040204020203" pitchFamily="34" charset="0"/>
+                  <a:cs typeface="Segoe UI Semibold" panose="020B0702040204020203" pitchFamily="34" charset="0"/>
+                </a:rPr>
+                <a:t>GitHubRepository</a:t>
+              </a:r>
+              <a:endParaRPr lang="en-US" altLang="ja-JP" dirty="0">
+                <a:latin typeface="Segoe UI Semibold" panose="020B0702040204020203" pitchFamily="34" charset="0"/>
+                <a:cs typeface="Segoe UI Semibold" panose="020B0702040204020203" pitchFamily="34" charset="0"/>
+              </a:endParaRPr>
+            </a:p>
+          </p:txBody>
+        </p:sp>
+        <p:sp>
+          <p:nvSpPr>
+            <p:cNvPr id="17" name="テキスト ボックス 16">
+              <a:extLst>
+                <a:ext uri="{FF2B5EF4-FFF2-40B4-BE49-F238E27FC236}">
+                  <a16:creationId xmlns:a16="http://schemas.microsoft.com/office/drawing/2014/main" id="{C925E873-306E-9C37-3601-85B909629927}"/>
+                </a:ext>
+              </a:extLst>
+            </p:cNvPr>
+            <p:cNvSpPr txBox="1"/>
+            <p:nvPr userDrawn="1"/>
+          </p:nvSpPr>
+          <p:spPr>
+            <a:xfrm>
+              <a:off x="5354820" y="3685130"/>
+              <a:ext cx="2520000" cy="422405"/>
+            </a:xfrm>
+            <a:prstGeom prst="rect">
+              <a:avLst/>
+            </a:prstGeom>
+          </p:spPr>
+          <p:style>
+            <a:lnRef idx="1">
+              <a:schemeClr val="accent5"/>
+            </a:lnRef>
+            <a:fillRef idx="2">
+              <a:schemeClr val="accent5"/>
+            </a:fillRef>
+            <a:effectRef idx="1">
+              <a:schemeClr val="accent5"/>
+            </a:effectRef>
+            <a:fontRef idx="minor">
+              <a:schemeClr val="dk1"/>
+            </a:fontRef>
+          </p:style>
+          <p:txBody>
+            <a:bodyPr wrap="square" tIns="72000" bIns="72000">
+              <a:spAutoFit/>
+            </a:bodyPr>
+            <a:lstStyle/>
+            <a:p>
+              <a:pPr algn="ctr"/>
+              <a:r>
+                <a:rPr lang="en-US" altLang="ja-JP" dirty="0" err="1">
+                  <a:latin typeface="Segoe UI Semibold" panose="020B0702040204020203" pitchFamily="34" charset="0"/>
+                  <a:cs typeface="Segoe UI Semibold" panose="020B0702040204020203" pitchFamily="34" charset="0"/>
+                </a:rPr>
+                <a:t>ImageCache</a:t>
+              </a:r>
+              <a:endParaRPr lang="en-US" altLang="ja-JP" dirty="0">
+                <a:latin typeface="Segoe UI Semibold" panose="020B0702040204020203" pitchFamily="34" charset="0"/>
+                <a:cs typeface="Segoe UI Semibold" panose="020B0702040204020203" pitchFamily="34" charset="0"/>
+              </a:endParaRPr>
+            </a:p>
+          </p:txBody>
+        </p:sp>
+        <p:sp>
+          <p:nvSpPr>
+            <p:cNvPr id="18" name="テキスト ボックス 17">
+              <a:extLst>
+                <a:ext uri="{FF2B5EF4-FFF2-40B4-BE49-F238E27FC236}">
+                  <a16:creationId xmlns:a16="http://schemas.microsoft.com/office/drawing/2014/main" id="{85C17B96-D180-19FB-0D4F-DA037D686D3B}"/>
+                </a:ext>
+              </a:extLst>
+            </p:cNvPr>
+            <p:cNvSpPr txBox="1"/>
+            <p:nvPr userDrawn="1"/>
+          </p:nvSpPr>
+          <p:spPr>
+            <a:xfrm>
+              <a:off x="5354820" y="3204595"/>
+              <a:ext cx="2520000" cy="422405"/>
+            </a:xfrm>
+            <a:prstGeom prst="rect">
+              <a:avLst/>
+            </a:prstGeom>
+          </p:spPr>
+          <p:style>
+            <a:lnRef idx="1">
+              <a:schemeClr val="accent5"/>
+            </a:lnRef>
+            <a:fillRef idx="2">
+              <a:schemeClr val="accent5"/>
+            </a:fillRef>
+            <a:effectRef idx="1">
+              <a:schemeClr val="accent5"/>
+            </a:effectRef>
+            <a:fontRef idx="minor">
+              <a:schemeClr val="dk1"/>
+            </a:fontRef>
+          </p:style>
+          <p:txBody>
+            <a:bodyPr wrap="square" tIns="72000" bIns="72000">
+              <a:spAutoFit/>
+            </a:bodyPr>
+            <a:lstStyle/>
+            <a:p>
+              <a:pPr algn="ctr"/>
+              <a:r>
+                <a:rPr lang="en-US" altLang="ja-JP" dirty="0" err="1">
+                  <a:latin typeface="Segoe UI Semibold" panose="020B0702040204020203" pitchFamily="34" charset="0"/>
+                  <a:cs typeface="Segoe UI Semibold" panose="020B0702040204020203" pitchFamily="34" charset="0"/>
+                </a:rPr>
+                <a:t>ImageDownloader</a:t>
+              </a:r>
+              <a:endParaRPr lang="en-US" altLang="ja-JP" dirty="0">
+                <a:latin typeface="Segoe UI Semibold" panose="020B0702040204020203" pitchFamily="34" charset="0"/>
+                <a:cs typeface="Segoe UI Semibold" panose="020B0702040204020203" pitchFamily="34" charset="0"/>
+              </a:endParaRPr>
+            </a:p>
+          </p:txBody>
+        </p:sp>
+      </p:grpSp>
+      <p:sp>
+        <p:nvSpPr>
+          <p:cNvPr id="19" name="テキスト ボックス 18">
+            <a:extLst>
+              <a:ext uri="{FF2B5EF4-FFF2-40B4-BE49-F238E27FC236}">
+                <a16:creationId xmlns:a16="http://schemas.microsoft.com/office/drawing/2014/main" id="{E1FE375B-97C2-715B-A64D-0BBB86F56CF2}"/>
+              </a:ext>
+            </a:extLst>
+          </p:cNvPr>
+          <p:cNvSpPr txBox="1"/>
+          <p:nvPr userDrawn="1"/>
+        </p:nvSpPr>
+        <p:spPr>
+          <a:xfrm>
+            <a:off x="7525540" y="1776416"/>
+            <a:ext cx="2520000" cy="422405"/>
+          </a:xfrm>
+          <a:prstGeom prst="rect">
+            <a:avLst/>
+          </a:prstGeom>
+        </p:spPr>
+        <p:style>
+          <a:lnRef idx="1">
+            <a:schemeClr val="accent5"/>
+          </a:lnRef>
+          <a:fillRef idx="2">
+            <a:schemeClr val="accent5"/>
+          </a:fillRef>
+          <a:effectRef idx="1">
+            <a:schemeClr val="accent5"/>
+          </a:effectRef>
+          <a:fontRef idx="minor">
+            <a:schemeClr val="dk1"/>
+          </a:fontRef>
+        </p:style>
+        <p:txBody>
+          <a:bodyPr wrap="square" tIns="72000" bIns="72000">
+            <a:spAutoFit/>
+          </a:bodyPr>
+          <a:lstStyle/>
+          <a:p>
+            <a:pPr algn="ctr"/>
+            <a:r>
+              <a:rPr lang="en-US" altLang="ja-JP" dirty="0" err="1">
+                <a:latin typeface="Segoe UI Semibold" panose="020B0702040204020203" pitchFamily="34" charset="0"/>
+                <a:cs typeface="Segoe UI Semibold" panose="020B0702040204020203" pitchFamily="34" charset="0"/>
+              </a:rPr>
+              <a:t>NavigationRouter</a:t>
+            </a:r>
+            <a:endParaRPr lang="en-US" altLang="ja-JP" dirty="0">
+              <a:latin typeface="Segoe UI Semibold" panose="020B0702040204020203" pitchFamily="34" charset="0"/>
+              <a:cs typeface="Segoe UI Semibold" panose="020B0702040204020203" pitchFamily="34" charset="0"/>
+            </a:endParaRPr>
+          </a:p>
+        </p:txBody>
+      </p:sp>
+      <p:grpSp>
+        <p:nvGrpSpPr>
+          <p:cNvPr id="27" name="グループ化 26">
+            <a:extLst>
+              <a:ext uri="{FF2B5EF4-FFF2-40B4-BE49-F238E27FC236}">
+                <a16:creationId xmlns:a16="http://schemas.microsoft.com/office/drawing/2014/main" id="{EE9DC471-C743-119A-AE36-C9C5D91E08A7}"/>
+              </a:ext>
+            </a:extLst>
+          </p:cNvPr>
+          <p:cNvGrpSpPr/>
+          <p:nvPr userDrawn="1"/>
+        </p:nvGrpSpPr>
+        <p:grpSpPr>
+          <a:xfrm>
+            <a:off x="7643675" y="2717528"/>
+            <a:ext cx="2520000" cy="1403496"/>
+            <a:chOff x="8323392" y="2470567"/>
+            <a:chExt cx="2520000" cy="1403496"/>
+          </a:xfrm>
+        </p:grpSpPr>
+        <p:sp>
+          <p:nvSpPr>
+            <p:cNvPr id="20" name="テキスト ボックス 19">
+              <a:extLst>
+                <a:ext uri="{FF2B5EF4-FFF2-40B4-BE49-F238E27FC236}">
+                  <a16:creationId xmlns:a16="http://schemas.microsoft.com/office/drawing/2014/main" id="{BEA36C57-55CA-CCEC-A729-CA3F9C412E00}"/>
+                </a:ext>
+              </a:extLst>
+            </p:cNvPr>
+            <p:cNvSpPr txBox="1"/>
+            <p:nvPr userDrawn="1"/>
+          </p:nvSpPr>
+          <p:spPr>
+            <a:xfrm>
+              <a:off x="8323392" y="2961764"/>
+              <a:ext cx="2520000" cy="422405"/>
+            </a:xfrm>
+            <a:prstGeom prst="rect">
+              <a:avLst/>
+            </a:prstGeom>
+          </p:spPr>
+          <p:style>
+            <a:lnRef idx="1">
+              <a:schemeClr val="accent5"/>
+            </a:lnRef>
+            <a:fillRef idx="2">
+              <a:schemeClr val="accent5"/>
+            </a:fillRef>
+            <a:effectRef idx="1">
+              <a:schemeClr val="accent5"/>
+            </a:effectRef>
+            <a:fontRef idx="minor">
+              <a:schemeClr val="dk1"/>
+            </a:fontRef>
+          </p:style>
+          <p:txBody>
+            <a:bodyPr wrap="square" tIns="72000" bIns="72000">
+              <a:spAutoFit/>
+            </a:bodyPr>
+            <a:lstStyle/>
+            <a:p>
+              <a:pPr algn="ctr"/>
+              <a:r>
+                <a:rPr lang="en-US" altLang="ja-JP" dirty="0" err="1">
+                  <a:latin typeface="Segoe UI Semibold" panose="020B0702040204020203" pitchFamily="34" charset="0"/>
+                  <a:cs typeface="Segoe UI Semibold" panose="020B0702040204020203" pitchFamily="34" charset="0"/>
+                </a:rPr>
+                <a:t>MainPresenter</a:t>
+              </a:r>
+              <a:endParaRPr lang="en-US" altLang="ja-JP" dirty="0">
+                <a:latin typeface="Segoe UI Semibold" panose="020B0702040204020203" pitchFamily="34" charset="0"/>
+                <a:cs typeface="Segoe UI Semibold" panose="020B0702040204020203" pitchFamily="34" charset="0"/>
+              </a:endParaRPr>
+            </a:p>
+          </p:txBody>
+        </p:sp>
+        <p:sp>
+          <p:nvSpPr>
+            <p:cNvPr id="21" name="テキスト ボックス 20">
+              <a:extLst>
+                <a:ext uri="{FF2B5EF4-FFF2-40B4-BE49-F238E27FC236}">
+                  <a16:creationId xmlns:a16="http://schemas.microsoft.com/office/drawing/2014/main" id="{9C2B2DFA-C7BA-331F-7307-5A3A637F7919}"/>
+                </a:ext>
+              </a:extLst>
+            </p:cNvPr>
+            <p:cNvSpPr txBox="1"/>
+            <p:nvPr userDrawn="1"/>
+          </p:nvSpPr>
+          <p:spPr>
+            <a:xfrm>
+              <a:off x="8323392" y="2470567"/>
+              <a:ext cx="2520000" cy="422405"/>
+            </a:xfrm>
+            <a:prstGeom prst="rect">
+              <a:avLst/>
+            </a:prstGeom>
+          </p:spPr>
+          <p:style>
+            <a:lnRef idx="1">
+              <a:schemeClr val="accent5"/>
+            </a:lnRef>
+            <a:fillRef idx="2">
+              <a:schemeClr val="accent5"/>
+            </a:fillRef>
+            <a:effectRef idx="1">
+              <a:schemeClr val="accent5"/>
+            </a:effectRef>
+            <a:fontRef idx="minor">
+              <a:schemeClr val="dk1"/>
+            </a:fontRef>
+          </p:style>
+          <p:txBody>
+            <a:bodyPr wrap="square" tIns="72000" bIns="72000">
+              <a:spAutoFit/>
+            </a:bodyPr>
+            <a:lstStyle/>
+            <a:p>
+              <a:pPr algn="ctr"/>
+              <a:r>
+                <a:rPr lang="en-US" altLang="ja-JP" dirty="0" err="1">
+                  <a:latin typeface="Segoe UI Semibold" panose="020B0702040204020203" pitchFamily="34" charset="0"/>
+                  <a:cs typeface="Segoe UI Semibold" panose="020B0702040204020203" pitchFamily="34" charset="0"/>
+                </a:rPr>
+                <a:t>MainView</a:t>
+              </a:r>
+              <a:endParaRPr lang="en-US" altLang="ja-JP" dirty="0">
+                <a:latin typeface="Segoe UI Semibold" panose="020B0702040204020203" pitchFamily="34" charset="0"/>
+                <a:cs typeface="Segoe UI Semibold" panose="020B0702040204020203" pitchFamily="34" charset="0"/>
+              </a:endParaRPr>
+            </a:p>
+          </p:txBody>
+        </p:sp>
+        <p:sp>
+          <p:nvSpPr>
+            <p:cNvPr id="22" name="テキスト ボックス 21">
+              <a:extLst>
+                <a:ext uri="{FF2B5EF4-FFF2-40B4-BE49-F238E27FC236}">
+                  <a16:creationId xmlns:a16="http://schemas.microsoft.com/office/drawing/2014/main" id="{2192DEAB-0B49-4F2D-A073-B9B45108CCD1}"/>
+                </a:ext>
+              </a:extLst>
+            </p:cNvPr>
+            <p:cNvSpPr txBox="1"/>
+            <p:nvPr userDrawn="1"/>
+          </p:nvSpPr>
+          <p:spPr>
+            <a:xfrm>
+              <a:off x="8323392" y="3451658"/>
+              <a:ext cx="2520000" cy="422405"/>
+            </a:xfrm>
+            <a:prstGeom prst="rect">
+              <a:avLst/>
+            </a:prstGeom>
+          </p:spPr>
+          <p:style>
+            <a:lnRef idx="1">
+              <a:schemeClr val="accent5"/>
+            </a:lnRef>
+            <a:fillRef idx="2">
+              <a:schemeClr val="accent5"/>
+            </a:fillRef>
+            <a:effectRef idx="1">
+              <a:schemeClr val="accent5"/>
+            </a:effectRef>
+            <a:fontRef idx="minor">
+              <a:schemeClr val="dk1"/>
+            </a:fontRef>
+          </p:style>
+          <p:txBody>
+            <a:bodyPr wrap="square" tIns="72000" bIns="72000">
+              <a:spAutoFit/>
+            </a:bodyPr>
+            <a:lstStyle/>
+            <a:p>
+              <a:pPr algn="ctr"/>
+              <a:r>
+                <a:rPr lang="en-US" altLang="ja-JP" dirty="0" err="1">
+                  <a:latin typeface="Segoe UI Semibold" panose="020B0702040204020203" pitchFamily="34" charset="0"/>
+                  <a:cs typeface="Segoe UI Semibold" panose="020B0702040204020203" pitchFamily="34" charset="0"/>
+                </a:rPr>
+                <a:t>MainContent</a:t>
+              </a:r>
+              <a:endParaRPr lang="en-US" altLang="ja-JP" dirty="0">
+                <a:latin typeface="Segoe UI Semibold" panose="020B0702040204020203" pitchFamily="34" charset="0"/>
+                <a:cs typeface="Segoe UI Semibold" panose="020B0702040204020203" pitchFamily="34" charset="0"/>
+              </a:endParaRPr>
+            </a:p>
+          </p:txBody>
+        </p:sp>
+      </p:grpSp>
+      <p:grpSp>
+        <p:nvGrpSpPr>
+          <p:cNvPr id="26" name="グループ化 25">
+            <a:extLst>
+              <a:ext uri="{FF2B5EF4-FFF2-40B4-BE49-F238E27FC236}">
+                <a16:creationId xmlns:a16="http://schemas.microsoft.com/office/drawing/2014/main" id="{80EEF975-9CBD-4526-3C9F-D971FE59CD46}"/>
+              </a:ext>
+            </a:extLst>
+          </p:cNvPr>
+          <p:cNvGrpSpPr/>
+          <p:nvPr userDrawn="1"/>
+        </p:nvGrpSpPr>
+        <p:grpSpPr>
+          <a:xfrm>
+            <a:off x="7643675" y="4730367"/>
+            <a:ext cx="2520000" cy="1412191"/>
+            <a:chOff x="8323392" y="3936885"/>
+            <a:chExt cx="2520000" cy="1412191"/>
+          </a:xfrm>
+        </p:grpSpPr>
+        <p:sp>
+          <p:nvSpPr>
+            <p:cNvPr id="23" name="テキスト ボックス 22">
+              <a:extLst>
+                <a:ext uri="{FF2B5EF4-FFF2-40B4-BE49-F238E27FC236}">
+                  <a16:creationId xmlns:a16="http://schemas.microsoft.com/office/drawing/2014/main" id="{BBE363ED-F6DF-4CF5-9FA7-405E2889F5F4}"/>
+                </a:ext>
+              </a:extLst>
+            </p:cNvPr>
+            <p:cNvSpPr txBox="1"/>
+            <p:nvPr userDrawn="1"/>
+          </p:nvSpPr>
+          <p:spPr>
+            <a:xfrm>
+              <a:off x="8323392" y="4926671"/>
+              <a:ext cx="2520000" cy="422405"/>
+            </a:xfrm>
+            <a:prstGeom prst="rect">
+              <a:avLst/>
+            </a:prstGeom>
+          </p:spPr>
+          <p:style>
+            <a:lnRef idx="1">
+              <a:schemeClr val="accent5"/>
+            </a:lnRef>
+            <a:fillRef idx="2">
+              <a:schemeClr val="accent5"/>
+            </a:fillRef>
+            <a:effectRef idx="1">
+              <a:schemeClr val="accent5"/>
+            </a:effectRef>
+            <a:fontRef idx="minor">
+              <a:schemeClr val="dk1"/>
+            </a:fontRef>
+          </p:style>
+          <p:txBody>
+            <a:bodyPr wrap="square" tIns="72000" bIns="72000">
+              <a:spAutoFit/>
+            </a:bodyPr>
+            <a:lstStyle/>
+            <a:p>
+              <a:pPr algn="ctr"/>
+              <a:r>
+                <a:rPr lang="en-US" altLang="ja-JP" dirty="0" err="1">
+                  <a:latin typeface="Segoe UI Semibold" panose="020B0702040204020203" pitchFamily="34" charset="0"/>
+                  <a:cs typeface="Segoe UI Semibold" panose="020B0702040204020203" pitchFamily="34" charset="0"/>
+                </a:rPr>
+                <a:t>DetailContent</a:t>
+              </a:r>
+              <a:endParaRPr lang="en-US" altLang="ja-JP" dirty="0">
+                <a:latin typeface="Segoe UI Semibold" panose="020B0702040204020203" pitchFamily="34" charset="0"/>
+                <a:cs typeface="Segoe UI Semibold" panose="020B0702040204020203" pitchFamily="34" charset="0"/>
+              </a:endParaRPr>
+            </a:p>
+          </p:txBody>
+        </p:sp>
+        <p:sp>
+          <p:nvSpPr>
+            <p:cNvPr id="24" name="テキスト ボックス 23">
+              <a:extLst>
+                <a:ext uri="{FF2B5EF4-FFF2-40B4-BE49-F238E27FC236}">
+                  <a16:creationId xmlns:a16="http://schemas.microsoft.com/office/drawing/2014/main" id="{D86D1282-F880-F7C7-AC7B-EB017DC77933}"/>
+                </a:ext>
+              </a:extLst>
+            </p:cNvPr>
+            <p:cNvSpPr txBox="1"/>
+            <p:nvPr userDrawn="1"/>
+          </p:nvSpPr>
+          <p:spPr>
+            <a:xfrm>
+              <a:off x="8323392" y="3936885"/>
+              <a:ext cx="2520000" cy="422405"/>
+            </a:xfrm>
+            <a:prstGeom prst="rect">
+              <a:avLst/>
+            </a:prstGeom>
+          </p:spPr>
+          <p:style>
+            <a:lnRef idx="1">
+              <a:schemeClr val="accent5"/>
+            </a:lnRef>
+            <a:fillRef idx="2">
+              <a:schemeClr val="accent5"/>
+            </a:fillRef>
+            <a:effectRef idx="1">
+              <a:schemeClr val="accent5"/>
+            </a:effectRef>
+            <a:fontRef idx="minor">
+              <a:schemeClr val="dk1"/>
+            </a:fontRef>
+          </p:style>
+          <p:txBody>
+            <a:bodyPr wrap="square" tIns="72000" bIns="72000">
+              <a:spAutoFit/>
+            </a:bodyPr>
+            <a:lstStyle/>
+            <a:p>
+              <a:pPr algn="ctr"/>
+              <a:r>
+                <a:rPr lang="en-US" altLang="ja-JP" dirty="0" err="1">
+                  <a:latin typeface="Segoe UI Semibold" panose="020B0702040204020203" pitchFamily="34" charset="0"/>
+                  <a:cs typeface="Segoe UI Semibold" panose="020B0702040204020203" pitchFamily="34" charset="0"/>
+                </a:rPr>
+                <a:t>DetailView</a:t>
+              </a:r>
+              <a:endParaRPr lang="en-US" altLang="ja-JP" dirty="0">
+                <a:latin typeface="Segoe UI Semibold" panose="020B0702040204020203" pitchFamily="34" charset="0"/>
+                <a:cs typeface="Segoe UI Semibold" panose="020B0702040204020203" pitchFamily="34" charset="0"/>
+              </a:endParaRPr>
+            </a:p>
+          </p:txBody>
+        </p:sp>
+        <p:sp>
+          <p:nvSpPr>
+            <p:cNvPr id="25" name="テキスト ボックス 24">
+              <a:extLst>
+                <a:ext uri="{FF2B5EF4-FFF2-40B4-BE49-F238E27FC236}">
+                  <a16:creationId xmlns:a16="http://schemas.microsoft.com/office/drawing/2014/main" id="{51F55991-D96F-1AE9-3981-D09FD03644CD}"/>
+                </a:ext>
+              </a:extLst>
+            </p:cNvPr>
+            <p:cNvSpPr txBox="1"/>
+            <p:nvPr userDrawn="1"/>
+          </p:nvSpPr>
+          <p:spPr>
+            <a:xfrm>
+              <a:off x="8323392" y="4431778"/>
+              <a:ext cx="2520000" cy="422405"/>
+            </a:xfrm>
+            <a:prstGeom prst="rect">
+              <a:avLst/>
+            </a:prstGeom>
+          </p:spPr>
+          <p:style>
+            <a:lnRef idx="1">
+              <a:schemeClr val="accent5"/>
+            </a:lnRef>
+            <a:fillRef idx="2">
+              <a:schemeClr val="accent5"/>
+            </a:fillRef>
+            <a:effectRef idx="1">
+              <a:schemeClr val="accent5"/>
+            </a:effectRef>
+            <a:fontRef idx="minor">
+              <a:schemeClr val="dk1"/>
+            </a:fontRef>
+          </p:style>
+          <p:txBody>
+            <a:bodyPr wrap="square" tIns="72000" bIns="72000">
+              <a:spAutoFit/>
+            </a:bodyPr>
+            <a:lstStyle/>
+            <a:p>
+              <a:pPr algn="ctr"/>
+              <a:r>
+                <a:rPr lang="en-US" altLang="ja-JP" dirty="0" err="1">
+                  <a:latin typeface="Segoe UI Semibold" panose="020B0702040204020203" pitchFamily="34" charset="0"/>
+                  <a:cs typeface="Segoe UI Semibold" panose="020B0702040204020203" pitchFamily="34" charset="0"/>
+                </a:rPr>
+                <a:t>DetailViewPresenter</a:t>
+              </a:r>
+              <a:endParaRPr lang="ja-JP" altLang="en-US" dirty="0">
+                <a:latin typeface="Segoe UI Semibold" panose="020B0702040204020203" pitchFamily="34" charset="0"/>
+                <a:cs typeface="Segoe UI Semibold" panose="020B0702040204020203" pitchFamily="34" charset="0"/>
+              </a:endParaRPr>
+            </a:p>
+          </p:txBody>
+        </p:sp>
+      </p:grpSp>
     </p:spTree>
     <p:extLst>
       <p:ext uri="{BB962C8B-B14F-4D97-AF65-F5344CB8AC3E}">
         <p14:creationId xmlns:p14="http://schemas.microsoft.com/office/powerpoint/2010/main" val="856454614"/>
+      </p:ext>
+    </p:extLst>
+  </p:cSld>
+  <p:clrMapOvr>
+    <a:masterClrMapping/>
+  </p:clrMapOvr>
+</p:sldLayout>
+</file>
+
+<file path=ppt/slideLayouts/slideLayout4.xml><?xml version="1.0" encoding="utf-8"?>
+<p:sldLayout xmlns:a="http://schemas.openxmlformats.org/drawingml/2006/main" xmlns:r="http://schemas.openxmlformats.org/officeDocument/2006/relationships" xmlns:p="http://schemas.openxmlformats.org/presentationml/2006/main" preserve="1" userDrawn="1">
+  <p:cSld name="解答例２">
+    <p:spTree>
+      <p:nvGrpSpPr>
+        <p:cNvPr id="1" name=""/>
+        <p:cNvGrpSpPr/>
+        <p:nvPr/>
+      </p:nvGrpSpPr>
+      <p:grpSpPr>
+        <a:xfrm>
+          <a:off x="0" y="0"/>
+          <a:ext cx="0" cy="0"/>
+          <a:chOff x="0" y="0"/>
+          <a:chExt cx="0" cy="0"/>
+        </a:xfrm>
+      </p:grpSpPr>
+      <p:sp>
+        <p:nvSpPr>
+          <p:cNvPr id="6" name="テキスト ボックス 5">
+            <a:extLst>
+              <a:ext uri="{FF2B5EF4-FFF2-40B4-BE49-F238E27FC236}">
+                <a16:creationId xmlns:a16="http://schemas.microsoft.com/office/drawing/2014/main" id="{4728F9AA-969D-9A9B-C1C5-823EE2893BA8}"/>
+              </a:ext>
+            </a:extLst>
+          </p:cNvPr>
+          <p:cNvSpPr txBox="1"/>
+          <p:nvPr userDrawn="1"/>
+        </p:nvSpPr>
+        <p:spPr>
+          <a:xfrm>
+            <a:off x="838199" y="173298"/>
+            <a:ext cx="9574531" cy="769441"/>
+          </a:xfrm>
+          <a:prstGeom prst="rect">
+            <a:avLst/>
+          </a:prstGeom>
+          <a:solidFill>
+            <a:schemeClr val="bg1"/>
+          </a:solidFill>
+        </p:spPr>
+        <p:txBody>
+          <a:bodyPr wrap="square">
+            <a:spAutoFit/>
+          </a:bodyPr>
+          <a:lstStyle/>
+          <a:p>
+            <a:r>
+              <a:rPr kumimoji="1" lang="ja-JP" altLang="en-US" sz="4400" b="0" i="0" u="none" strike="noStrike" kern="1200" cap="none" spc="0" normalizeH="0" baseline="0" noProof="0" dirty="0">
+                <a:ln>
+                  <a:noFill/>
+                </a:ln>
+                <a:solidFill>
+                  <a:prstClr val="black"/>
+                </a:solidFill>
+                <a:effectLst/>
+                <a:uLnTx/>
+                <a:uFillTx/>
+                <a:latin typeface="游ゴシック Light" panose="020F0302020204030204"/>
+                <a:ea typeface="游ゴシック Light" panose="020B0300000000000000" pitchFamily="50" charset="-128"/>
+                <a:cs typeface="+mj-cs"/>
+              </a:rPr>
+              <a:t>モジュールに分けよう</a:t>
+            </a:r>
+            <a:endParaRPr lang="ja-JP" altLang="en-US" dirty="0"/>
+          </a:p>
+        </p:txBody>
+      </p:sp>
+      <p:sp>
+        <p:nvSpPr>
+          <p:cNvPr id="10" name="テキスト ボックス 9">
+            <a:extLst>
+              <a:ext uri="{FF2B5EF4-FFF2-40B4-BE49-F238E27FC236}">
+                <a16:creationId xmlns:a16="http://schemas.microsoft.com/office/drawing/2014/main" id="{9E6E3624-AEE2-E33B-2B05-77B843C9DE15}"/>
+              </a:ext>
+            </a:extLst>
+          </p:cNvPr>
+          <p:cNvSpPr txBox="1"/>
+          <p:nvPr userDrawn="1"/>
+        </p:nvSpPr>
+        <p:spPr>
+          <a:xfrm>
+            <a:off x="838199" y="913489"/>
+            <a:ext cx="9437017" cy="372346"/>
+          </a:xfrm>
+          <a:prstGeom prst="rect">
+            <a:avLst/>
+          </a:prstGeom>
+          <a:solidFill>
+            <a:schemeClr val="bg1"/>
+          </a:solidFill>
+        </p:spPr>
+        <p:txBody>
+          <a:bodyPr wrap="square">
+            <a:spAutoFit/>
+          </a:bodyPr>
+          <a:lstStyle/>
+          <a:p>
+            <a:pPr marR="0" lvl="0" algn="l" defTabSz="914400" rtl="0" eaLnBrk="1" fontAlgn="auto" latinLnBrk="0" hangingPunct="1">
+              <a:lnSpc>
+                <a:spcPct val="90000"/>
+              </a:lnSpc>
+              <a:spcBef>
+                <a:spcPts val="1000"/>
+              </a:spcBef>
+              <a:spcAft>
+                <a:spcPts val="0"/>
+              </a:spcAft>
+              <a:buClrTx/>
+              <a:buSzTx/>
+              <a:tabLst/>
+              <a:defRPr/>
+            </a:pPr>
+            <a:r>
+              <a:rPr kumimoji="1" lang="en-US" altLang="ja-JP" sz="2000" b="0" i="0" u="none" strike="noStrike" kern="1200" cap="none" spc="0" normalizeH="0" baseline="0" noProof="0" dirty="0">
+                <a:ln>
+                  <a:noFill/>
+                </a:ln>
+                <a:solidFill>
+                  <a:prstClr val="black"/>
+                </a:solidFill>
+                <a:effectLst/>
+                <a:uLnTx/>
+                <a:uFillTx/>
+                <a:latin typeface="游ゴシック" panose="020F0502020204030204"/>
+                <a:ea typeface="游ゴシック" panose="020B0400000000000000" pitchFamily="50" charset="-128"/>
+                <a:cs typeface="+mn-cs"/>
+              </a:rPr>
+              <a:t>CCP/CRP</a:t>
+            </a:r>
+            <a:r>
+              <a:rPr kumimoji="1" lang="ja-JP" altLang="en-US" sz="2000" b="0" i="0" u="none" strike="noStrike" kern="1200" cap="none" spc="0" normalizeH="0" baseline="0" noProof="0" dirty="0">
+                <a:ln>
+                  <a:noFill/>
+                </a:ln>
+                <a:solidFill>
+                  <a:prstClr val="black"/>
+                </a:solidFill>
+                <a:effectLst/>
+                <a:uLnTx/>
+                <a:uFillTx/>
+                <a:latin typeface="游ゴシック" panose="020F0502020204030204"/>
+                <a:ea typeface="游ゴシック" panose="020B0400000000000000" pitchFamily="50" charset="-128"/>
+                <a:cs typeface="+mn-cs"/>
+              </a:rPr>
+              <a:t>を理解するための演習問題 </a:t>
+            </a:r>
+            <a:endParaRPr kumimoji="1" lang="en-US" altLang="ja-JP" sz="2000" b="0" i="0" u="none" strike="noStrike" kern="1200" cap="none" spc="0" normalizeH="0" baseline="0" noProof="0" dirty="0">
+              <a:ln>
+                <a:noFill/>
+              </a:ln>
+              <a:solidFill>
+                <a:prstClr val="black"/>
+              </a:solidFill>
+              <a:effectLst/>
+              <a:uLnTx/>
+              <a:uFillTx/>
+              <a:latin typeface="游ゴシック" panose="020F0502020204030204"/>
+              <a:ea typeface="游ゴシック" panose="020B0400000000000000" pitchFamily="50" charset="-128"/>
+              <a:cs typeface="+mn-cs"/>
+            </a:endParaRPr>
+          </a:p>
+        </p:txBody>
+      </p:sp>
+      <p:sp>
+        <p:nvSpPr>
+          <p:cNvPr id="2" name="四角形: 角を丸くする 1">
+            <a:extLst>
+              <a:ext uri="{FF2B5EF4-FFF2-40B4-BE49-F238E27FC236}">
+                <a16:creationId xmlns:a16="http://schemas.microsoft.com/office/drawing/2014/main" id="{9EF2758B-646E-60BD-F22A-9D3BB19FAD8F}"/>
+              </a:ext>
+            </a:extLst>
+          </p:cNvPr>
+          <p:cNvSpPr/>
+          <p:nvPr userDrawn="1"/>
+        </p:nvSpPr>
+        <p:spPr>
+          <a:xfrm>
+            <a:off x="5425441" y="1271452"/>
+            <a:ext cx="6132576" cy="5178115"/>
+          </a:xfrm>
+          <a:prstGeom prst="roundRect">
+            <a:avLst>
+              <a:gd name="adj" fmla="val 3213"/>
+            </a:avLst>
+          </a:prstGeom>
+          <a:solidFill>
+            <a:schemeClr val="bg1">
+              <a:lumMod val="85000"/>
+              <a:alpha val="50000"/>
+            </a:schemeClr>
+          </a:solidFill>
+          <a:ln>
+            <a:noFill/>
+          </a:ln>
+        </p:spPr>
+        <p:style>
+          <a:lnRef idx="0">
+            <a:scrgbClr r="0" g="0" b="0"/>
+          </a:lnRef>
+          <a:fillRef idx="0">
+            <a:scrgbClr r="0" g="0" b="0"/>
+          </a:fillRef>
+          <a:effectRef idx="0">
+            <a:scrgbClr r="0" g="0" b="0"/>
+          </a:effectRef>
+          <a:fontRef idx="minor">
+            <a:schemeClr val="lt1"/>
+          </a:fontRef>
+        </p:style>
+        <p:txBody>
+          <a:bodyPr rtlCol="0" anchor="t"/>
+          <a:lstStyle/>
+          <a:p>
+            <a:pPr algn="l"/>
+            <a:r>
+              <a:rPr kumimoji="1" lang="en-US" altLang="ja-JP" b="0" cap="none" spc="0" dirty="0">
+                <a:ln w="0"/>
+                <a:solidFill>
+                  <a:schemeClr val="tx1"/>
+                </a:solidFill>
+                <a:effectLst>
+                  <a:outerShdw blurRad="38100" dist="19050" dir="2700000" algn="tl" rotWithShape="0">
+                    <a:schemeClr val="dk1">
+                      <a:alpha val="40000"/>
+                    </a:schemeClr>
+                  </a:outerShdw>
+                </a:effectLst>
+              </a:rPr>
+              <a:t>View</a:t>
+            </a:r>
+            <a:endParaRPr kumimoji="1" lang="ja-JP" altLang="en-US" b="0" cap="none" spc="0" dirty="0">
+              <a:ln w="0"/>
+              <a:solidFill>
+                <a:schemeClr val="tx1"/>
+              </a:solidFill>
+              <a:effectLst>
+                <a:outerShdw blurRad="38100" dist="19050" dir="2700000" algn="tl" rotWithShape="0">
+                  <a:schemeClr val="dk1">
+                    <a:alpha val="40000"/>
+                  </a:schemeClr>
+                </a:outerShdw>
+              </a:effectLst>
+            </a:endParaRPr>
+          </a:p>
+        </p:txBody>
+      </p:sp>
+      <p:sp>
+        <p:nvSpPr>
+          <p:cNvPr id="5" name="テキスト ボックス 4">
+            <a:extLst>
+              <a:ext uri="{FF2B5EF4-FFF2-40B4-BE49-F238E27FC236}">
+                <a16:creationId xmlns:a16="http://schemas.microsoft.com/office/drawing/2014/main" id="{D0069AAB-0099-7EAC-7F33-8EAFFA0C5B19}"/>
+              </a:ext>
+            </a:extLst>
+          </p:cNvPr>
+          <p:cNvSpPr txBox="1"/>
+          <p:nvPr userDrawn="1"/>
+        </p:nvSpPr>
+        <p:spPr>
+          <a:xfrm>
+            <a:off x="2754983" y="6485654"/>
+            <a:ext cx="9437017" cy="372346"/>
+          </a:xfrm>
+          <a:prstGeom prst="rect">
+            <a:avLst/>
+          </a:prstGeom>
+          <a:solidFill>
+            <a:schemeClr val="bg1"/>
+          </a:solidFill>
+        </p:spPr>
+        <p:txBody>
+          <a:bodyPr wrap="square">
+            <a:spAutoFit/>
+          </a:bodyPr>
+          <a:lstStyle/>
+          <a:p>
+            <a:pPr marR="0" lvl="0" algn="r" defTabSz="914400" rtl="0" eaLnBrk="1" fontAlgn="auto" latinLnBrk="0" hangingPunct="1">
+              <a:lnSpc>
+                <a:spcPct val="90000"/>
+              </a:lnSpc>
+              <a:spcBef>
+                <a:spcPts val="1000"/>
+              </a:spcBef>
+              <a:spcAft>
+                <a:spcPts val="0"/>
+              </a:spcAft>
+              <a:buClrTx/>
+              <a:buSzTx/>
+              <a:tabLst/>
+              <a:defRPr/>
+            </a:pPr>
+            <a:r>
+              <a:rPr kumimoji="1" lang="ja-JP" altLang="en-US" sz="2000" b="0" i="0" u="none" strike="noStrike" kern="1200" cap="none" spc="0" normalizeH="0" baseline="0" noProof="0" dirty="0">
+                <a:ln>
+                  <a:noFill/>
+                </a:ln>
+                <a:solidFill>
+                  <a:schemeClr val="accent1"/>
+                </a:solidFill>
+                <a:effectLst/>
+                <a:uLnTx/>
+                <a:uFillTx/>
+                <a:latin typeface="游ゴシック" panose="020F0502020204030204"/>
+                <a:ea typeface="游ゴシック" panose="020B0400000000000000" pitchFamily="50" charset="-128"/>
+                <a:cs typeface="+mn-cs"/>
+              </a:rPr>
+              <a:t>余裕があれば</a:t>
+            </a:r>
+            <a:r>
+              <a:rPr kumimoji="1" lang="en-US" altLang="ja-JP" sz="2000" b="0" i="0" u="none" strike="noStrike" kern="1200" cap="none" spc="0" normalizeH="0" baseline="0" noProof="0" dirty="0">
+                <a:ln>
+                  <a:noFill/>
+                </a:ln>
+                <a:solidFill>
+                  <a:schemeClr val="accent1"/>
+                </a:solidFill>
+                <a:effectLst/>
+                <a:uLnTx/>
+                <a:uFillTx/>
+                <a:latin typeface="游ゴシック" panose="020F0502020204030204"/>
+                <a:ea typeface="游ゴシック" panose="020B0400000000000000" pitchFamily="50" charset="-128"/>
+                <a:cs typeface="+mn-cs"/>
+              </a:rPr>
+              <a:t>…</a:t>
+            </a:r>
+            <a:r>
+              <a:rPr kumimoji="1" lang="ja-JP" altLang="en-US" sz="2000" b="0" i="0" u="none" strike="noStrike" kern="1200" cap="none" spc="0" normalizeH="0" baseline="0" noProof="0" dirty="0">
+                <a:ln>
+                  <a:noFill/>
+                </a:ln>
+                <a:solidFill>
+                  <a:schemeClr val="accent1"/>
+                </a:solidFill>
+                <a:effectLst/>
+                <a:uLnTx/>
+                <a:uFillTx/>
+                <a:latin typeface="游ゴシック" panose="020F0502020204030204"/>
+                <a:ea typeface="游ゴシック" panose="020B0400000000000000" pitchFamily="50" charset="-128"/>
+                <a:cs typeface="+mn-cs"/>
+              </a:rPr>
+              <a:t>分けたグループをフォルダに見立てて名前を付けてみよう</a:t>
+            </a:r>
+            <a:endParaRPr kumimoji="1" lang="en-US" altLang="ja-JP" sz="2000" b="0" i="0" u="none" strike="noStrike" kern="1200" cap="none" spc="0" normalizeH="0" baseline="0" noProof="0" dirty="0">
+              <a:ln>
+                <a:noFill/>
+              </a:ln>
+              <a:solidFill>
+                <a:schemeClr val="accent1"/>
+              </a:solidFill>
+              <a:effectLst/>
+              <a:uLnTx/>
+              <a:uFillTx/>
+              <a:latin typeface="游ゴシック" panose="020F0502020204030204"/>
+              <a:ea typeface="游ゴシック" panose="020B0400000000000000" pitchFamily="50" charset="-128"/>
+              <a:cs typeface="+mn-cs"/>
+            </a:endParaRPr>
+          </a:p>
+        </p:txBody>
+      </p:sp>
+      <p:sp>
+        <p:nvSpPr>
+          <p:cNvPr id="11" name="テキスト ボックス 10">
+            <a:extLst>
+              <a:ext uri="{FF2B5EF4-FFF2-40B4-BE49-F238E27FC236}">
+                <a16:creationId xmlns:a16="http://schemas.microsoft.com/office/drawing/2014/main" id="{AE9BE37A-1C1A-55FC-34D3-100C98AF8666}"/>
+              </a:ext>
+            </a:extLst>
+          </p:cNvPr>
+          <p:cNvSpPr txBox="1"/>
+          <p:nvPr userDrawn="1"/>
+        </p:nvSpPr>
+        <p:spPr>
+          <a:xfrm>
+            <a:off x="0" y="0"/>
+            <a:ext cx="2672080" cy="584775"/>
+          </a:xfrm>
+          <a:prstGeom prst="rect">
+            <a:avLst/>
+          </a:prstGeom>
+          <a:solidFill>
+            <a:srgbClr val="FF0000"/>
+          </a:solidFill>
+        </p:spPr>
+        <p:txBody>
+          <a:bodyPr wrap="square" rtlCol="0">
+            <a:spAutoFit/>
+          </a:bodyPr>
+          <a:lstStyle/>
+          <a:p>
+            <a:pPr algn="ctr"/>
+            <a:r>
+              <a:rPr kumimoji="1" lang="ja-JP" altLang="en-US" sz="3200" b="1" dirty="0">
+                <a:solidFill>
+                  <a:schemeClr val="bg1">
+                    <a:lumMod val="95000"/>
+                  </a:schemeClr>
+                </a:solidFill>
+              </a:rPr>
+              <a:t>別解答例</a:t>
+            </a:r>
+          </a:p>
+        </p:txBody>
+      </p:sp>
+      <p:sp>
+        <p:nvSpPr>
+          <p:cNvPr id="32" name="四角形: 角を丸くする 31">
+            <a:extLst>
+              <a:ext uri="{FF2B5EF4-FFF2-40B4-BE49-F238E27FC236}">
+                <a16:creationId xmlns:a16="http://schemas.microsoft.com/office/drawing/2014/main" id="{8F3B27BA-A184-0DE4-480E-A10248DE9359}"/>
+              </a:ext>
+            </a:extLst>
+          </p:cNvPr>
+          <p:cNvSpPr/>
+          <p:nvPr userDrawn="1"/>
+        </p:nvSpPr>
+        <p:spPr>
+          <a:xfrm>
+            <a:off x="5742433" y="4561415"/>
+            <a:ext cx="5609082" cy="1738867"/>
+          </a:xfrm>
+          <a:prstGeom prst="roundRect">
+            <a:avLst>
+              <a:gd name="adj" fmla="val 8423"/>
+            </a:avLst>
+          </a:prstGeom>
+          <a:solidFill>
+            <a:schemeClr val="bg1">
+              <a:lumMod val="85000"/>
+              <a:alpha val="50000"/>
+            </a:schemeClr>
+          </a:solidFill>
+          <a:ln>
+            <a:solidFill>
+              <a:schemeClr val="bg1">
+                <a:lumMod val="65000"/>
+              </a:schemeClr>
+            </a:solidFill>
+          </a:ln>
+        </p:spPr>
+        <p:style>
+          <a:lnRef idx="0">
+            <a:scrgbClr r="0" g="0" b="0"/>
+          </a:lnRef>
+          <a:fillRef idx="0">
+            <a:scrgbClr r="0" g="0" b="0"/>
+          </a:fillRef>
+          <a:effectRef idx="0">
+            <a:scrgbClr r="0" g="0" b="0"/>
+          </a:effectRef>
+          <a:fontRef idx="minor">
+            <a:schemeClr val="lt1"/>
+          </a:fontRef>
+        </p:style>
+        <p:txBody>
+          <a:bodyPr rtlCol="0" anchor="t"/>
+          <a:lstStyle/>
+          <a:p>
+            <a:pPr algn="l"/>
+            <a:r>
+              <a:rPr kumimoji="1" lang="en-US" altLang="ja-JP" b="0" cap="none" spc="0" dirty="0">
+                <a:ln w="0"/>
+                <a:solidFill>
+                  <a:schemeClr val="tx1"/>
+                </a:solidFill>
+                <a:effectLst>
+                  <a:outerShdw blurRad="38100" dist="19050" dir="2700000" algn="tl" rotWithShape="0">
+                    <a:schemeClr val="dk1">
+                      <a:alpha val="40000"/>
+                    </a:schemeClr>
+                  </a:outerShdw>
+                </a:effectLst>
+              </a:rPr>
+              <a:t>Detail</a:t>
+            </a:r>
+            <a:endParaRPr kumimoji="1" lang="ja-JP" altLang="en-US" b="0" cap="none" spc="0" dirty="0">
+              <a:ln w="0"/>
+              <a:solidFill>
+                <a:schemeClr val="tx1"/>
+              </a:solidFill>
+              <a:effectLst>
+                <a:outerShdw blurRad="38100" dist="19050" dir="2700000" algn="tl" rotWithShape="0">
+                  <a:schemeClr val="dk1">
+                    <a:alpha val="40000"/>
+                  </a:schemeClr>
+                </a:outerShdw>
+              </a:effectLst>
+            </a:endParaRPr>
+          </a:p>
+        </p:txBody>
+      </p:sp>
+      <p:sp>
+        <p:nvSpPr>
+          <p:cNvPr id="33" name="四角形: 角を丸くする 32">
+            <a:extLst>
+              <a:ext uri="{FF2B5EF4-FFF2-40B4-BE49-F238E27FC236}">
+                <a16:creationId xmlns:a16="http://schemas.microsoft.com/office/drawing/2014/main" id="{949416EC-0A7F-8AD4-E07B-75F6B61C2EC7}"/>
+              </a:ext>
+            </a:extLst>
+          </p:cNvPr>
+          <p:cNvSpPr/>
+          <p:nvPr userDrawn="1"/>
+        </p:nvSpPr>
+        <p:spPr>
+          <a:xfrm>
+            <a:off x="7245747" y="2496362"/>
+            <a:ext cx="4105767" cy="1738867"/>
+          </a:xfrm>
+          <a:prstGeom prst="roundRect">
+            <a:avLst>
+              <a:gd name="adj" fmla="val 8423"/>
+            </a:avLst>
+          </a:prstGeom>
+          <a:solidFill>
+            <a:schemeClr val="bg1">
+              <a:lumMod val="85000"/>
+              <a:alpha val="50000"/>
+            </a:schemeClr>
+          </a:solidFill>
+          <a:ln>
+            <a:solidFill>
+              <a:schemeClr val="bg1">
+                <a:lumMod val="65000"/>
+              </a:schemeClr>
+            </a:solidFill>
+          </a:ln>
+        </p:spPr>
+        <p:style>
+          <a:lnRef idx="0">
+            <a:scrgbClr r="0" g="0" b="0"/>
+          </a:lnRef>
+          <a:fillRef idx="0">
+            <a:scrgbClr r="0" g="0" b="0"/>
+          </a:fillRef>
+          <a:effectRef idx="0">
+            <a:scrgbClr r="0" g="0" b="0"/>
+          </a:effectRef>
+          <a:fontRef idx="minor">
+            <a:schemeClr val="lt1"/>
+          </a:fontRef>
+        </p:style>
+        <p:txBody>
+          <a:bodyPr rtlCol="0" anchor="t"/>
+          <a:lstStyle/>
+          <a:p>
+            <a:pPr algn="l"/>
+            <a:r>
+              <a:rPr kumimoji="1" lang="en-US" altLang="ja-JP" b="0" cap="none" spc="0" dirty="0">
+                <a:ln w="0"/>
+                <a:solidFill>
+                  <a:schemeClr val="tx1"/>
+                </a:solidFill>
+                <a:effectLst>
+                  <a:outerShdw blurRad="38100" dist="19050" dir="2700000" algn="tl" rotWithShape="0">
+                    <a:schemeClr val="dk1">
+                      <a:alpha val="40000"/>
+                    </a:schemeClr>
+                  </a:outerShdw>
+                </a:effectLst>
+              </a:rPr>
+              <a:t>Main</a:t>
+            </a:r>
+            <a:endParaRPr kumimoji="1" lang="ja-JP" altLang="en-US" b="0" cap="none" spc="0" dirty="0">
+              <a:ln w="0"/>
+              <a:solidFill>
+                <a:schemeClr val="tx1"/>
+              </a:solidFill>
+              <a:effectLst>
+                <a:outerShdw blurRad="38100" dist="19050" dir="2700000" algn="tl" rotWithShape="0">
+                  <a:schemeClr val="dk1">
+                    <a:alpha val="40000"/>
+                  </a:schemeClr>
+                </a:outerShdw>
+              </a:effectLst>
+            </a:endParaRPr>
+          </a:p>
+        </p:txBody>
+      </p:sp>
+      <p:sp>
+        <p:nvSpPr>
+          <p:cNvPr id="31" name="四角形: 角を丸くする 30">
+            <a:extLst>
+              <a:ext uri="{FF2B5EF4-FFF2-40B4-BE49-F238E27FC236}">
+                <a16:creationId xmlns:a16="http://schemas.microsoft.com/office/drawing/2014/main" id="{537E8CA1-6FB8-6771-E1DC-26BFDD3F6BE0}"/>
+              </a:ext>
+            </a:extLst>
+          </p:cNvPr>
+          <p:cNvSpPr/>
+          <p:nvPr userDrawn="1"/>
+        </p:nvSpPr>
+        <p:spPr>
+          <a:xfrm>
+            <a:off x="7245747" y="1518933"/>
+            <a:ext cx="4105767" cy="651243"/>
+          </a:xfrm>
+          <a:prstGeom prst="roundRect">
+            <a:avLst>
+              <a:gd name="adj" fmla="val 8423"/>
+            </a:avLst>
+          </a:prstGeom>
+          <a:solidFill>
+            <a:schemeClr val="bg1">
+              <a:lumMod val="85000"/>
+              <a:alpha val="50000"/>
+            </a:schemeClr>
+          </a:solidFill>
+          <a:ln>
+            <a:solidFill>
+              <a:schemeClr val="bg1">
+                <a:lumMod val="65000"/>
+              </a:schemeClr>
+            </a:solidFill>
+          </a:ln>
+        </p:spPr>
+        <p:style>
+          <a:lnRef idx="0">
+            <a:scrgbClr r="0" g="0" b="0"/>
+          </a:lnRef>
+          <a:fillRef idx="0">
+            <a:scrgbClr r="0" g="0" b="0"/>
+          </a:fillRef>
+          <a:effectRef idx="0">
+            <a:scrgbClr r="0" g="0" b="0"/>
+          </a:effectRef>
+          <a:fontRef idx="minor">
+            <a:schemeClr val="lt1"/>
+          </a:fontRef>
+        </p:style>
+        <p:txBody>
+          <a:bodyPr rtlCol="0" anchor="t"/>
+          <a:lstStyle/>
+          <a:p>
+            <a:pPr algn="l"/>
+            <a:r>
+              <a:rPr kumimoji="1" lang="en-US" altLang="ja-JP" b="0" cap="none" spc="0" dirty="0">
+                <a:ln w="0"/>
+                <a:solidFill>
+                  <a:schemeClr val="tx1"/>
+                </a:solidFill>
+                <a:effectLst>
+                  <a:outerShdw blurRad="38100" dist="19050" dir="2700000" algn="tl" rotWithShape="0">
+                    <a:schemeClr val="dk1">
+                      <a:alpha val="40000"/>
+                    </a:schemeClr>
+                  </a:outerShdw>
+                </a:effectLst>
+              </a:rPr>
+              <a:t>Router</a:t>
+            </a:r>
+            <a:endParaRPr kumimoji="1" lang="ja-JP" altLang="en-US" b="0" cap="none" spc="0" dirty="0">
+              <a:ln w="0"/>
+              <a:solidFill>
+                <a:schemeClr val="tx1"/>
+              </a:solidFill>
+              <a:effectLst>
+                <a:outerShdw blurRad="38100" dist="19050" dir="2700000" algn="tl" rotWithShape="0">
+                  <a:schemeClr val="dk1">
+                    <a:alpha val="40000"/>
+                  </a:schemeClr>
+                </a:outerShdw>
+              </a:effectLst>
+            </a:endParaRPr>
+          </a:p>
+        </p:txBody>
+      </p:sp>
+      <p:sp>
+        <p:nvSpPr>
+          <p:cNvPr id="30" name="四角形: 角を丸くする 29">
+            <a:extLst>
+              <a:ext uri="{FF2B5EF4-FFF2-40B4-BE49-F238E27FC236}">
+                <a16:creationId xmlns:a16="http://schemas.microsoft.com/office/drawing/2014/main" id="{B86B43DB-E3DE-9A23-0A63-08047143F242}"/>
+              </a:ext>
+            </a:extLst>
+          </p:cNvPr>
+          <p:cNvSpPr/>
+          <p:nvPr userDrawn="1"/>
+        </p:nvSpPr>
+        <p:spPr>
+          <a:xfrm>
+            <a:off x="838199" y="2743703"/>
+            <a:ext cx="3842415" cy="1904768"/>
+          </a:xfrm>
+          <a:prstGeom prst="roundRect">
+            <a:avLst>
+              <a:gd name="adj" fmla="val 6323"/>
+            </a:avLst>
+          </a:prstGeom>
+          <a:solidFill>
+            <a:schemeClr val="bg1">
+              <a:lumMod val="85000"/>
+              <a:alpha val="50000"/>
+            </a:schemeClr>
+          </a:solidFill>
+          <a:ln>
+            <a:noFill/>
+          </a:ln>
+        </p:spPr>
+        <p:style>
+          <a:lnRef idx="0">
+            <a:scrgbClr r="0" g="0" b="0"/>
+          </a:lnRef>
+          <a:fillRef idx="0">
+            <a:scrgbClr r="0" g="0" b="0"/>
+          </a:fillRef>
+          <a:effectRef idx="0">
+            <a:scrgbClr r="0" g="0" b="0"/>
+          </a:effectRef>
+          <a:fontRef idx="minor">
+            <a:schemeClr val="lt1"/>
+          </a:fontRef>
+        </p:style>
+        <p:txBody>
+          <a:bodyPr rtlCol="0" anchor="t"/>
+          <a:lstStyle/>
+          <a:p>
+            <a:pPr algn="l"/>
+            <a:r>
+              <a:rPr kumimoji="1" lang="en-US" altLang="ja-JP" b="0" cap="none" spc="0" dirty="0">
+                <a:ln w="0"/>
+                <a:solidFill>
+                  <a:schemeClr val="tx1"/>
+                </a:solidFill>
+                <a:effectLst>
+                  <a:outerShdw blurRad="38100" dist="19050" dir="2700000" algn="tl" rotWithShape="0">
+                    <a:schemeClr val="dk1">
+                      <a:alpha val="40000"/>
+                    </a:schemeClr>
+                  </a:outerShdw>
+                </a:effectLst>
+              </a:rPr>
+              <a:t>Model</a:t>
+            </a:r>
+            <a:endParaRPr kumimoji="1" lang="ja-JP" altLang="en-US" b="0" cap="none" spc="0" dirty="0">
+              <a:ln w="0"/>
+              <a:solidFill>
+                <a:schemeClr val="tx1"/>
+              </a:solidFill>
+              <a:effectLst>
+                <a:outerShdw blurRad="38100" dist="19050" dir="2700000" algn="tl" rotWithShape="0">
+                  <a:schemeClr val="dk1">
+                    <a:alpha val="40000"/>
+                  </a:schemeClr>
+                </a:outerShdw>
+              </a:effectLst>
+            </a:endParaRPr>
+          </a:p>
+        </p:txBody>
+      </p:sp>
+      <p:sp>
+        <p:nvSpPr>
+          <p:cNvPr id="29" name="四角形: 角を丸くする 28">
+            <a:extLst>
+              <a:ext uri="{FF2B5EF4-FFF2-40B4-BE49-F238E27FC236}">
+                <a16:creationId xmlns:a16="http://schemas.microsoft.com/office/drawing/2014/main" id="{8CF95B56-1034-7E65-2200-98489C78EFCA}"/>
+              </a:ext>
+            </a:extLst>
+          </p:cNvPr>
+          <p:cNvSpPr/>
+          <p:nvPr userDrawn="1"/>
+        </p:nvSpPr>
+        <p:spPr>
+          <a:xfrm>
+            <a:off x="838199" y="1271452"/>
+            <a:ext cx="3855369" cy="1292024"/>
+          </a:xfrm>
+          <a:prstGeom prst="roundRect">
+            <a:avLst>
+              <a:gd name="adj" fmla="val 8423"/>
+            </a:avLst>
+          </a:prstGeom>
+          <a:solidFill>
+            <a:schemeClr val="bg1">
+              <a:lumMod val="85000"/>
+              <a:alpha val="50000"/>
+            </a:schemeClr>
+          </a:solidFill>
+          <a:ln>
+            <a:noFill/>
+          </a:ln>
+        </p:spPr>
+        <p:style>
+          <a:lnRef idx="0">
+            <a:scrgbClr r="0" g="0" b="0"/>
+          </a:lnRef>
+          <a:fillRef idx="0">
+            <a:scrgbClr r="0" g="0" b="0"/>
+          </a:fillRef>
+          <a:effectRef idx="0">
+            <a:scrgbClr r="0" g="0" b="0"/>
+          </a:effectRef>
+          <a:fontRef idx="minor">
+            <a:schemeClr val="lt1"/>
+          </a:fontRef>
+        </p:style>
+        <p:txBody>
+          <a:bodyPr rtlCol="0" anchor="t"/>
+          <a:lstStyle/>
+          <a:p>
+            <a:pPr algn="l"/>
+            <a:r>
+              <a:rPr kumimoji="1" lang="en-US" altLang="ja-JP" b="0" cap="none" spc="0" dirty="0">
+                <a:ln w="0"/>
+                <a:solidFill>
+                  <a:schemeClr val="tx1"/>
+                </a:solidFill>
+                <a:effectLst>
+                  <a:outerShdw blurRad="38100" dist="19050" dir="2700000" algn="tl" rotWithShape="0">
+                    <a:schemeClr val="dk1">
+                      <a:alpha val="40000"/>
+                    </a:schemeClr>
+                  </a:outerShdw>
+                </a:effectLst>
+              </a:rPr>
+              <a:t>App</a:t>
+            </a:r>
+            <a:endParaRPr kumimoji="1" lang="ja-JP" altLang="en-US" b="0" cap="none" spc="0" dirty="0">
+              <a:ln w="0"/>
+              <a:solidFill>
+                <a:schemeClr val="tx1"/>
+              </a:solidFill>
+              <a:effectLst>
+                <a:outerShdw blurRad="38100" dist="19050" dir="2700000" algn="tl" rotWithShape="0">
+                  <a:schemeClr val="dk1">
+                    <a:alpha val="40000"/>
+                  </a:schemeClr>
+                </a:outerShdw>
+              </a:effectLst>
+            </a:endParaRPr>
+          </a:p>
+        </p:txBody>
+      </p:sp>
+      <p:sp>
+        <p:nvSpPr>
+          <p:cNvPr id="12" name="テキスト ボックス 11">
+            <a:extLst>
+              <a:ext uri="{FF2B5EF4-FFF2-40B4-BE49-F238E27FC236}">
+                <a16:creationId xmlns:a16="http://schemas.microsoft.com/office/drawing/2014/main" id="{E8DB9793-011E-B87A-012C-7E91B16095A0}"/>
+              </a:ext>
+            </a:extLst>
+          </p:cNvPr>
+          <p:cNvSpPr txBox="1"/>
+          <p:nvPr userDrawn="1"/>
+        </p:nvSpPr>
+        <p:spPr>
+          <a:xfrm>
+            <a:off x="1942682" y="1975533"/>
+            <a:ext cx="2520000" cy="422405"/>
+          </a:xfrm>
+          <a:prstGeom prst="rect">
+            <a:avLst/>
+          </a:prstGeom>
+        </p:spPr>
+        <p:style>
+          <a:lnRef idx="1">
+            <a:schemeClr val="accent5"/>
+          </a:lnRef>
+          <a:fillRef idx="2">
+            <a:schemeClr val="accent5"/>
+          </a:fillRef>
+          <a:effectRef idx="1">
+            <a:schemeClr val="accent5"/>
+          </a:effectRef>
+          <a:fontRef idx="minor">
+            <a:schemeClr val="dk1"/>
+          </a:fontRef>
+        </p:style>
+        <p:txBody>
+          <a:bodyPr wrap="square" tIns="72000" bIns="72000">
+            <a:spAutoFit/>
+          </a:bodyPr>
+          <a:lstStyle/>
+          <a:p>
+            <a:pPr algn="ctr"/>
+            <a:r>
+              <a:rPr lang="en-US" altLang="ja-JP" dirty="0" err="1">
+                <a:latin typeface="Segoe UI Semibold" panose="020B0702040204020203" pitchFamily="34" charset="0"/>
+                <a:cs typeface="Segoe UI Semibold" panose="020B0702040204020203" pitchFamily="34" charset="0"/>
+              </a:rPr>
+              <a:t>AppContent</a:t>
+            </a:r>
+            <a:endParaRPr lang="en-US" altLang="ja-JP" dirty="0">
+              <a:latin typeface="Segoe UI Semibold" panose="020B0702040204020203" pitchFamily="34" charset="0"/>
+              <a:cs typeface="Segoe UI Semibold" panose="020B0702040204020203" pitchFamily="34" charset="0"/>
+            </a:endParaRPr>
+          </a:p>
+        </p:txBody>
+      </p:sp>
+      <p:sp>
+        <p:nvSpPr>
+          <p:cNvPr id="13" name="テキスト ボックス 12">
+            <a:extLst>
+              <a:ext uri="{FF2B5EF4-FFF2-40B4-BE49-F238E27FC236}">
+                <a16:creationId xmlns:a16="http://schemas.microsoft.com/office/drawing/2014/main" id="{FB7396A8-71E2-E66B-ECF1-8E9CA367E589}"/>
+              </a:ext>
+            </a:extLst>
+          </p:cNvPr>
+          <p:cNvSpPr txBox="1"/>
+          <p:nvPr userDrawn="1"/>
+        </p:nvSpPr>
+        <p:spPr>
+          <a:xfrm>
+            <a:off x="1942682" y="1495059"/>
+            <a:ext cx="2520000" cy="422405"/>
+          </a:xfrm>
+          <a:prstGeom prst="rect">
+            <a:avLst/>
+          </a:prstGeom>
+        </p:spPr>
+        <p:style>
+          <a:lnRef idx="1">
+            <a:schemeClr val="accent5"/>
+          </a:lnRef>
+          <a:fillRef idx="2">
+            <a:schemeClr val="accent5"/>
+          </a:fillRef>
+          <a:effectRef idx="1">
+            <a:schemeClr val="accent5"/>
+          </a:effectRef>
+          <a:fontRef idx="minor">
+            <a:schemeClr val="dk1"/>
+          </a:fontRef>
+        </p:style>
+        <p:txBody>
+          <a:bodyPr wrap="square" tIns="72000" bIns="72000">
+            <a:spAutoFit/>
+          </a:bodyPr>
+          <a:lstStyle/>
+          <a:p>
+            <a:pPr algn="ctr"/>
+            <a:r>
+              <a:rPr lang="en-US" altLang="ja-JP" dirty="0" err="1">
+                <a:latin typeface="Segoe UI Semibold" panose="020B0702040204020203" pitchFamily="34" charset="0"/>
+                <a:cs typeface="Segoe UI Semibold" panose="020B0702040204020203" pitchFamily="34" charset="0"/>
+              </a:rPr>
+              <a:t>AppDelegate</a:t>
+            </a:r>
+            <a:endParaRPr lang="en-US" altLang="ja-JP" dirty="0">
+              <a:latin typeface="Segoe UI Semibold" panose="020B0702040204020203" pitchFamily="34" charset="0"/>
+              <a:cs typeface="Segoe UI Semibold" panose="020B0702040204020203" pitchFamily="34" charset="0"/>
+            </a:endParaRPr>
+          </a:p>
+        </p:txBody>
+      </p:sp>
+      <p:grpSp>
+        <p:nvGrpSpPr>
+          <p:cNvPr id="28" name="グループ化 27">
+            <a:extLst>
+              <a:ext uri="{FF2B5EF4-FFF2-40B4-BE49-F238E27FC236}">
+                <a16:creationId xmlns:a16="http://schemas.microsoft.com/office/drawing/2014/main" id="{F8EBD0EA-5EB5-E09F-ACB3-01DBC025914F}"/>
+              </a:ext>
+            </a:extLst>
+          </p:cNvPr>
+          <p:cNvGrpSpPr/>
+          <p:nvPr userDrawn="1"/>
+        </p:nvGrpSpPr>
+        <p:grpSpPr>
+          <a:xfrm>
+            <a:off x="1929728" y="3071023"/>
+            <a:ext cx="2520000" cy="1372610"/>
+            <a:chOff x="5354820" y="1778891"/>
+            <a:chExt cx="2520000" cy="1372610"/>
+          </a:xfrm>
+        </p:grpSpPr>
+        <p:sp>
+          <p:nvSpPr>
+            <p:cNvPr id="14" name="テキスト ボックス 13">
+              <a:extLst>
+                <a:ext uri="{FF2B5EF4-FFF2-40B4-BE49-F238E27FC236}">
+                  <a16:creationId xmlns:a16="http://schemas.microsoft.com/office/drawing/2014/main" id="{D000F664-39BF-6A06-BB47-B45B73DFEBBF}"/>
+                </a:ext>
+              </a:extLst>
+            </p:cNvPr>
+            <p:cNvSpPr txBox="1"/>
+            <p:nvPr userDrawn="1"/>
+          </p:nvSpPr>
+          <p:spPr>
+            <a:xfrm>
+              <a:off x="5354820" y="2259365"/>
+              <a:ext cx="2520000" cy="422405"/>
+            </a:xfrm>
+            <a:prstGeom prst="rect">
+              <a:avLst/>
+            </a:prstGeom>
+          </p:spPr>
+          <p:style>
+            <a:lnRef idx="1">
+              <a:schemeClr val="accent5"/>
+            </a:lnRef>
+            <a:fillRef idx="2">
+              <a:schemeClr val="accent5"/>
+            </a:fillRef>
+            <a:effectRef idx="1">
+              <a:schemeClr val="accent5"/>
+            </a:effectRef>
+            <a:fontRef idx="minor">
+              <a:schemeClr val="dk1"/>
+            </a:fontRef>
+          </p:style>
+          <p:txBody>
+            <a:bodyPr wrap="square" tIns="72000" bIns="72000">
+              <a:spAutoFit/>
+            </a:bodyPr>
+            <a:lstStyle/>
+            <a:p>
+              <a:pPr algn="ctr"/>
+              <a:r>
+                <a:rPr lang="en-US" altLang="ja-JP" dirty="0" err="1">
+                  <a:latin typeface="Segoe UI Semibold" panose="020B0702040204020203" pitchFamily="34" charset="0"/>
+                  <a:cs typeface="Segoe UI Semibold" panose="020B0702040204020203" pitchFamily="34" charset="0"/>
+                </a:rPr>
+                <a:t>GitHubSearcher</a:t>
+              </a:r>
+              <a:endParaRPr lang="en-US" altLang="ja-JP" dirty="0">
+                <a:latin typeface="Segoe UI Semibold" panose="020B0702040204020203" pitchFamily="34" charset="0"/>
+                <a:cs typeface="Segoe UI Semibold" panose="020B0702040204020203" pitchFamily="34" charset="0"/>
+              </a:endParaRPr>
+            </a:p>
+          </p:txBody>
+        </p:sp>
+        <p:sp>
+          <p:nvSpPr>
+            <p:cNvPr id="15" name="テキスト ボックス 14">
+              <a:extLst>
+                <a:ext uri="{FF2B5EF4-FFF2-40B4-BE49-F238E27FC236}">
+                  <a16:creationId xmlns:a16="http://schemas.microsoft.com/office/drawing/2014/main" id="{3F63CB79-D0AA-F169-2194-7420DAEDAE90}"/>
+                </a:ext>
+              </a:extLst>
+            </p:cNvPr>
+            <p:cNvSpPr txBox="1"/>
+            <p:nvPr userDrawn="1"/>
+          </p:nvSpPr>
+          <p:spPr>
+            <a:xfrm>
+              <a:off x="5354820" y="1778891"/>
+              <a:ext cx="2520000" cy="422405"/>
+            </a:xfrm>
+            <a:prstGeom prst="rect">
+              <a:avLst/>
+            </a:prstGeom>
+          </p:spPr>
+          <p:style>
+            <a:lnRef idx="1">
+              <a:schemeClr val="accent5"/>
+            </a:lnRef>
+            <a:fillRef idx="2">
+              <a:schemeClr val="accent5"/>
+            </a:fillRef>
+            <a:effectRef idx="1">
+              <a:schemeClr val="accent5"/>
+            </a:effectRef>
+            <a:fontRef idx="minor">
+              <a:schemeClr val="dk1"/>
+            </a:fontRef>
+          </p:style>
+          <p:txBody>
+            <a:bodyPr wrap="square" tIns="72000" bIns="72000">
+              <a:spAutoFit/>
+            </a:bodyPr>
+            <a:lstStyle/>
+            <a:p>
+              <a:pPr algn="ctr"/>
+              <a:r>
+                <a:rPr lang="en-US" altLang="ja-JP" dirty="0" err="1">
+                  <a:latin typeface="Segoe UI Semibold" panose="020B0702040204020203" pitchFamily="34" charset="0"/>
+                  <a:cs typeface="Segoe UI Semibold" panose="020B0702040204020203" pitchFamily="34" charset="0"/>
+                </a:rPr>
+                <a:t>GitHubAPIClient</a:t>
+              </a:r>
+              <a:endParaRPr lang="en-US" altLang="ja-JP" dirty="0">
+                <a:latin typeface="Segoe UI Semibold" panose="020B0702040204020203" pitchFamily="34" charset="0"/>
+                <a:cs typeface="Segoe UI Semibold" panose="020B0702040204020203" pitchFamily="34" charset="0"/>
+              </a:endParaRPr>
+            </a:p>
+          </p:txBody>
+        </p:sp>
+        <p:sp>
+          <p:nvSpPr>
+            <p:cNvPr id="16" name="テキスト ボックス 15">
+              <a:extLst>
+                <a:ext uri="{FF2B5EF4-FFF2-40B4-BE49-F238E27FC236}">
+                  <a16:creationId xmlns:a16="http://schemas.microsoft.com/office/drawing/2014/main" id="{73AB16C8-C216-383F-5AD1-84BA928DC49E}"/>
+                </a:ext>
+              </a:extLst>
+            </p:cNvPr>
+            <p:cNvSpPr txBox="1"/>
+            <p:nvPr userDrawn="1"/>
+          </p:nvSpPr>
+          <p:spPr>
+            <a:xfrm>
+              <a:off x="5354820" y="2729096"/>
+              <a:ext cx="2520000" cy="422405"/>
+            </a:xfrm>
+            <a:prstGeom prst="rect">
+              <a:avLst/>
+            </a:prstGeom>
+          </p:spPr>
+          <p:style>
+            <a:lnRef idx="1">
+              <a:schemeClr val="accent5"/>
+            </a:lnRef>
+            <a:fillRef idx="2">
+              <a:schemeClr val="accent5"/>
+            </a:fillRef>
+            <a:effectRef idx="1">
+              <a:schemeClr val="accent5"/>
+            </a:effectRef>
+            <a:fontRef idx="minor">
+              <a:schemeClr val="dk1"/>
+            </a:fontRef>
+          </p:style>
+          <p:txBody>
+            <a:bodyPr wrap="square" tIns="72000" bIns="72000">
+              <a:spAutoFit/>
+            </a:bodyPr>
+            <a:lstStyle/>
+            <a:p>
+              <a:pPr algn="ctr"/>
+              <a:r>
+                <a:rPr lang="en-US" altLang="ja-JP" dirty="0" err="1">
+                  <a:latin typeface="Segoe UI Semibold" panose="020B0702040204020203" pitchFamily="34" charset="0"/>
+                  <a:cs typeface="Segoe UI Semibold" panose="020B0702040204020203" pitchFamily="34" charset="0"/>
+                </a:rPr>
+                <a:t>GitHubRepository</a:t>
+              </a:r>
+              <a:endParaRPr lang="en-US" altLang="ja-JP" dirty="0">
+                <a:latin typeface="Segoe UI Semibold" panose="020B0702040204020203" pitchFamily="34" charset="0"/>
+                <a:cs typeface="Segoe UI Semibold" panose="020B0702040204020203" pitchFamily="34" charset="0"/>
+              </a:endParaRPr>
+            </a:p>
+          </p:txBody>
+        </p:sp>
+      </p:grpSp>
+      <p:sp>
+        <p:nvSpPr>
+          <p:cNvPr id="19" name="テキスト ボックス 18">
+            <a:extLst>
+              <a:ext uri="{FF2B5EF4-FFF2-40B4-BE49-F238E27FC236}">
+                <a16:creationId xmlns:a16="http://schemas.microsoft.com/office/drawing/2014/main" id="{E1FE375B-97C2-715B-A64D-0BBB86F56CF2}"/>
+              </a:ext>
+            </a:extLst>
+          </p:cNvPr>
+          <p:cNvSpPr txBox="1"/>
+          <p:nvPr userDrawn="1"/>
+        </p:nvSpPr>
+        <p:spPr>
+          <a:xfrm>
+            <a:off x="8582459" y="1659153"/>
+            <a:ext cx="2520000" cy="422405"/>
+          </a:xfrm>
+          <a:prstGeom prst="rect">
+            <a:avLst/>
+          </a:prstGeom>
+        </p:spPr>
+        <p:style>
+          <a:lnRef idx="1">
+            <a:schemeClr val="accent5"/>
+          </a:lnRef>
+          <a:fillRef idx="2">
+            <a:schemeClr val="accent5"/>
+          </a:fillRef>
+          <a:effectRef idx="1">
+            <a:schemeClr val="accent5"/>
+          </a:effectRef>
+          <a:fontRef idx="minor">
+            <a:schemeClr val="dk1"/>
+          </a:fontRef>
+        </p:style>
+        <p:txBody>
+          <a:bodyPr wrap="square" tIns="72000" bIns="72000">
+            <a:spAutoFit/>
+          </a:bodyPr>
+          <a:lstStyle/>
+          <a:p>
+            <a:pPr algn="ctr"/>
+            <a:r>
+              <a:rPr lang="en-US" altLang="ja-JP" dirty="0" err="1">
+                <a:latin typeface="Segoe UI Semibold" panose="020B0702040204020203" pitchFamily="34" charset="0"/>
+                <a:cs typeface="Segoe UI Semibold" panose="020B0702040204020203" pitchFamily="34" charset="0"/>
+              </a:rPr>
+              <a:t>NavigationRouter</a:t>
+            </a:r>
+            <a:endParaRPr lang="en-US" altLang="ja-JP" dirty="0">
+              <a:latin typeface="Segoe UI Semibold" panose="020B0702040204020203" pitchFamily="34" charset="0"/>
+              <a:cs typeface="Segoe UI Semibold" panose="020B0702040204020203" pitchFamily="34" charset="0"/>
+            </a:endParaRPr>
+          </a:p>
+        </p:txBody>
+      </p:sp>
+      <p:grpSp>
+        <p:nvGrpSpPr>
+          <p:cNvPr id="27" name="グループ化 26">
+            <a:extLst>
+              <a:ext uri="{FF2B5EF4-FFF2-40B4-BE49-F238E27FC236}">
+                <a16:creationId xmlns:a16="http://schemas.microsoft.com/office/drawing/2014/main" id="{EE9DC471-C743-119A-AE36-C9C5D91E08A7}"/>
+              </a:ext>
+            </a:extLst>
+          </p:cNvPr>
+          <p:cNvGrpSpPr/>
+          <p:nvPr userDrawn="1"/>
+        </p:nvGrpSpPr>
+        <p:grpSpPr>
+          <a:xfrm>
+            <a:off x="8582459" y="2663397"/>
+            <a:ext cx="2520000" cy="1403496"/>
+            <a:chOff x="8323392" y="2470567"/>
+            <a:chExt cx="2520000" cy="1403496"/>
+          </a:xfrm>
+        </p:grpSpPr>
+        <p:sp>
+          <p:nvSpPr>
+            <p:cNvPr id="20" name="テキスト ボックス 19">
+              <a:extLst>
+                <a:ext uri="{FF2B5EF4-FFF2-40B4-BE49-F238E27FC236}">
+                  <a16:creationId xmlns:a16="http://schemas.microsoft.com/office/drawing/2014/main" id="{BEA36C57-55CA-CCEC-A729-CA3F9C412E00}"/>
+                </a:ext>
+              </a:extLst>
+            </p:cNvPr>
+            <p:cNvSpPr txBox="1"/>
+            <p:nvPr userDrawn="1"/>
+          </p:nvSpPr>
+          <p:spPr>
+            <a:xfrm>
+              <a:off x="8323392" y="2961764"/>
+              <a:ext cx="2520000" cy="422405"/>
+            </a:xfrm>
+            <a:prstGeom prst="rect">
+              <a:avLst/>
+            </a:prstGeom>
+          </p:spPr>
+          <p:style>
+            <a:lnRef idx="1">
+              <a:schemeClr val="accent5"/>
+            </a:lnRef>
+            <a:fillRef idx="2">
+              <a:schemeClr val="accent5"/>
+            </a:fillRef>
+            <a:effectRef idx="1">
+              <a:schemeClr val="accent5"/>
+            </a:effectRef>
+            <a:fontRef idx="minor">
+              <a:schemeClr val="dk1"/>
+            </a:fontRef>
+          </p:style>
+          <p:txBody>
+            <a:bodyPr wrap="square" tIns="72000" bIns="72000">
+              <a:spAutoFit/>
+            </a:bodyPr>
+            <a:lstStyle/>
+            <a:p>
+              <a:pPr algn="ctr"/>
+              <a:r>
+                <a:rPr lang="en-US" altLang="ja-JP" dirty="0" err="1">
+                  <a:latin typeface="Segoe UI Semibold" panose="020B0702040204020203" pitchFamily="34" charset="0"/>
+                  <a:cs typeface="Segoe UI Semibold" panose="020B0702040204020203" pitchFamily="34" charset="0"/>
+                </a:rPr>
+                <a:t>MainPresenter</a:t>
+              </a:r>
+              <a:endParaRPr lang="en-US" altLang="ja-JP" dirty="0">
+                <a:latin typeface="Segoe UI Semibold" panose="020B0702040204020203" pitchFamily="34" charset="0"/>
+                <a:cs typeface="Segoe UI Semibold" panose="020B0702040204020203" pitchFamily="34" charset="0"/>
+              </a:endParaRPr>
+            </a:p>
+          </p:txBody>
+        </p:sp>
+        <p:sp>
+          <p:nvSpPr>
+            <p:cNvPr id="21" name="テキスト ボックス 20">
+              <a:extLst>
+                <a:ext uri="{FF2B5EF4-FFF2-40B4-BE49-F238E27FC236}">
+                  <a16:creationId xmlns:a16="http://schemas.microsoft.com/office/drawing/2014/main" id="{9C2B2DFA-C7BA-331F-7307-5A3A637F7919}"/>
+                </a:ext>
+              </a:extLst>
+            </p:cNvPr>
+            <p:cNvSpPr txBox="1"/>
+            <p:nvPr userDrawn="1"/>
+          </p:nvSpPr>
+          <p:spPr>
+            <a:xfrm>
+              <a:off x="8323392" y="2470567"/>
+              <a:ext cx="2520000" cy="422405"/>
+            </a:xfrm>
+            <a:prstGeom prst="rect">
+              <a:avLst/>
+            </a:prstGeom>
+          </p:spPr>
+          <p:style>
+            <a:lnRef idx="1">
+              <a:schemeClr val="accent5"/>
+            </a:lnRef>
+            <a:fillRef idx="2">
+              <a:schemeClr val="accent5"/>
+            </a:fillRef>
+            <a:effectRef idx="1">
+              <a:schemeClr val="accent5"/>
+            </a:effectRef>
+            <a:fontRef idx="minor">
+              <a:schemeClr val="dk1"/>
+            </a:fontRef>
+          </p:style>
+          <p:txBody>
+            <a:bodyPr wrap="square" tIns="72000" bIns="72000">
+              <a:spAutoFit/>
+            </a:bodyPr>
+            <a:lstStyle/>
+            <a:p>
+              <a:pPr algn="ctr"/>
+              <a:r>
+                <a:rPr lang="en-US" altLang="ja-JP" dirty="0" err="1">
+                  <a:latin typeface="Segoe UI Semibold" panose="020B0702040204020203" pitchFamily="34" charset="0"/>
+                  <a:cs typeface="Segoe UI Semibold" panose="020B0702040204020203" pitchFamily="34" charset="0"/>
+                </a:rPr>
+                <a:t>MainView</a:t>
+              </a:r>
+              <a:endParaRPr lang="en-US" altLang="ja-JP" dirty="0">
+                <a:latin typeface="Segoe UI Semibold" panose="020B0702040204020203" pitchFamily="34" charset="0"/>
+                <a:cs typeface="Segoe UI Semibold" panose="020B0702040204020203" pitchFamily="34" charset="0"/>
+              </a:endParaRPr>
+            </a:p>
+          </p:txBody>
+        </p:sp>
+        <p:sp>
+          <p:nvSpPr>
+            <p:cNvPr id="22" name="テキスト ボックス 21">
+              <a:extLst>
+                <a:ext uri="{FF2B5EF4-FFF2-40B4-BE49-F238E27FC236}">
+                  <a16:creationId xmlns:a16="http://schemas.microsoft.com/office/drawing/2014/main" id="{2192DEAB-0B49-4F2D-A073-B9B45108CCD1}"/>
+                </a:ext>
+              </a:extLst>
+            </p:cNvPr>
+            <p:cNvSpPr txBox="1"/>
+            <p:nvPr userDrawn="1"/>
+          </p:nvSpPr>
+          <p:spPr>
+            <a:xfrm>
+              <a:off x="8323392" y="3451658"/>
+              <a:ext cx="2520000" cy="422405"/>
+            </a:xfrm>
+            <a:prstGeom prst="rect">
+              <a:avLst/>
+            </a:prstGeom>
+          </p:spPr>
+          <p:style>
+            <a:lnRef idx="1">
+              <a:schemeClr val="accent5"/>
+            </a:lnRef>
+            <a:fillRef idx="2">
+              <a:schemeClr val="accent5"/>
+            </a:fillRef>
+            <a:effectRef idx="1">
+              <a:schemeClr val="accent5"/>
+            </a:effectRef>
+            <a:fontRef idx="minor">
+              <a:schemeClr val="dk1"/>
+            </a:fontRef>
+          </p:style>
+          <p:txBody>
+            <a:bodyPr wrap="square" tIns="72000" bIns="72000">
+              <a:spAutoFit/>
+            </a:bodyPr>
+            <a:lstStyle/>
+            <a:p>
+              <a:pPr algn="ctr"/>
+              <a:r>
+                <a:rPr lang="en-US" altLang="ja-JP" dirty="0" err="1">
+                  <a:latin typeface="Segoe UI Semibold" panose="020B0702040204020203" pitchFamily="34" charset="0"/>
+                  <a:cs typeface="Segoe UI Semibold" panose="020B0702040204020203" pitchFamily="34" charset="0"/>
+                </a:rPr>
+                <a:t>MainContent</a:t>
+              </a:r>
+              <a:endParaRPr lang="en-US" altLang="ja-JP" dirty="0">
+                <a:latin typeface="Segoe UI Semibold" panose="020B0702040204020203" pitchFamily="34" charset="0"/>
+                <a:cs typeface="Segoe UI Semibold" panose="020B0702040204020203" pitchFamily="34" charset="0"/>
+              </a:endParaRPr>
+            </a:p>
+          </p:txBody>
+        </p:sp>
+      </p:grpSp>
+      <p:grpSp>
+        <p:nvGrpSpPr>
+          <p:cNvPr id="26" name="グループ化 25">
+            <a:extLst>
+              <a:ext uri="{FF2B5EF4-FFF2-40B4-BE49-F238E27FC236}">
+                <a16:creationId xmlns:a16="http://schemas.microsoft.com/office/drawing/2014/main" id="{80EEF975-9CBD-4526-3C9F-D971FE59CD46}"/>
+              </a:ext>
+            </a:extLst>
+          </p:cNvPr>
+          <p:cNvGrpSpPr/>
+          <p:nvPr userDrawn="1"/>
+        </p:nvGrpSpPr>
+        <p:grpSpPr>
+          <a:xfrm>
+            <a:off x="8582459" y="4730367"/>
+            <a:ext cx="2520000" cy="1412191"/>
+            <a:chOff x="8323392" y="3936885"/>
+            <a:chExt cx="2520000" cy="1412191"/>
+          </a:xfrm>
+        </p:grpSpPr>
+        <p:sp>
+          <p:nvSpPr>
+            <p:cNvPr id="23" name="テキスト ボックス 22">
+              <a:extLst>
+                <a:ext uri="{FF2B5EF4-FFF2-40B4-BE49-F238E27FC236}">
+                  <a16:creationId xmlns:a16="http://schemas.microsoft.com/office/drawing/2014/main" id="{BBE363ED-F6DF-4CF5-9FA7-405E2889F5F4}"/>
+                </a:ext>
+              </a:extLst>
+            </p:cNvPr>
+            <p:cNvSpPr txBox="1"/>
+            <p:nvPr userDrawn="1"/>
+          </p:nvSpPr>
+          <p:spPr>
+            <a:xfrm>
+              <a:off x="8323392" y="4926671"/>
+              <a:ext cx="2520000" cy="422405"/>
+            </a:xfrm>
+            <a:prstGeom prst="rect">
+              <a:avLst/>
+            </a:prstGeom>
+          </p:spPr>
+          <p:style>
+            <a:lnRef idx="1">
+              <a:schemeClr val="accent5"/>
+            </a:lnRef>
+            <a:fillRef idx="2">
+              <a:schemeClr val="accent5"/>
+            </a:fillRef>
+            <a:effectRef idx="1">
+              <a:schemeClr val="accent5"/>
+            </a:effectRef>
+            <a:fontRef idx="minor">
+              <a:schemeClr val="dk1"/>
+            </a:fontRef>
+          </p:style>
+          <p:txBody>
+            <a:bodyPr wrap="square" tIns="72000" bIns="72000">
+              <a:spAutoFit/>
+            </a:bodyPr>
+            <a:lstStyle/>
+            <a:p>
+              <a:pPr algn="ctr"/>
+              <a:r>
+                <a:rPr lang="en-US" altLang="ja-JP" dirty="0" err="1">
+                  <a:latin typeface="Segoe UI Semibold" panose="020B0702040204020203" pitchFamily="34" charset="0"/>
+                  <a:cs typeface="Segoe UI Semibold" panose="020B0702040204020203" pitchFamily="34" charset="0"/>
+                </a:rPr>
+                <a:t>DetailContent</a:t>
+              </a:r>
+              <a:endParaRPr lang="en-US" altLang="ja-JP" dirty="0">
+                <a:latin typeface="Segoe UI Semibold" panose="020B0702040204020203" pitchFamily="34" charset="0"/>
+                <a:cs typeface="Segoe UI Semibold" panose="020B0702040204020203" pitchFamily="34" charset="0"/>
+              </a:endParaRPr>
+            </a:p>
+          </p:txBody>
+        </p:sp>
+        <p:sp>
+          <p:nvSpPr>
+            <p:cNvPr id="24" name="テキスト ボックス 23">
+              <a:extLst>
+                <a:ext uri="{FF2B5EF4-FFF2-40B4-BE49-F238E27FC236}">
+                  <a16:creationId xmlns:a16="http://schemas.microsoft.com/office/drawing/2014/main" id="{D86D1282-F880-F7C7-AC7B-EB017DC77933}"/>
+                </a:ext>
+              </a:extLst>
+            </p:cNvPr>
+            <p:cNvSpPr txBox="1"/>
+            <p:nvPr userDrawn="1"/>
+          </p:nvSpPr>
+          <p:spPr>
+            <a:xfrm>
+              <a:off x="8323392" y="3936885"/>
+              <a:ext cx="2520000" cy="422405"/>
+            </a:xfrm>
+            <a:prstGeom prst="rect">
+              <a:avLst/>
+            </a:prstGeom>
+          </p:spPr>
+          <p:style>
+            <a:lnRef idx="1">
+              <a:schemeClr val="accent5"/>
+            </a:lnRef>
+            <a:fillRef idx="2">
+              <a:schemeClr val="accent5"/>
+            </a:fillRef>
+            <a:effectRef idx="1">
+              <a:schemeClr val="accent5"/>
+            </a:effectRef>
+            <a:fontRef idx="minor">
+              <a:schemeClr val="dk1"/>
+            </a:fontRef>
+          </p:style>
+          <p:txBody>
+            <a:bodyPr wrap="square" tIns="72000" bIns="72000">
+              <a:spAutoFit/>
+            </a:bodyPr>
+            <a:lstStyle/>
+            <a:p>
+              <a:pPr algn="ctr"/>
+              <a:r>
+                <a:rPr lang="en-US" altLang="ja-JP" dirty="0" err="1">
+                  <a:latin typeface="Segoe UI Semibold" panose="020B0702040204020203" pitchFamily="34" charset="0"/>
+                  <a:cs typeface="Segoe UI Semibold" panose="020B0702040204020203" pitchFamily="34" charset="0"/>
+                </a:rPr>
+                <a:t>DetailView</a:t>
+              </a:r>
+              <a:endParaRPr lang="en-US" altLang="ja-JP" dirty="0">
+                <a:latin typeface="Segoe UI Semibold" panose="020B0702040204020203" pitchFamily="34" charset="0"/>
+                <a:cs typeface="Segoe UI Semibold" panose="020B0702040204020203" pitchFamily="34" charset="0"/>
+              </a:endParaRPr>
+            </a:p>
+          </p:txBody>
+        </p:sp>
+        <p:sp>
+          <p:nvSpPr>
+            <p:cNvPr id="25" name="テキスト ボックス 24">
+              <a:extLst>
+                <a:ext uri="{FF2B5EF4-FFF2-40B4-BE49-F238E27FC236}">
+                  <a16:creationId xmlns:a16="http://schemas.microsoft.com/office/drawing/2014/main" id="{51F55991-D96F-1AE9-3981-D09FD03644CD}"/>
+                </a:ext>
+              </a:extLst>
+            </p:cNvPr>
+            <p:cNvSpPr txBox="1"/>
+            <p:nvPr userDrawn="1"/>
+          </p:nvSpPr>
+          <p:spPr>
+            <a:xfrm>
+              <a:off x="8323392" y="4431778"/>
+              <a:ext cx="2520000" cy="422405"/>
+            </a:xfrm>
+            <a:prstGeom prst="rect">
+              <a:avLst/>
+            </a:prstGeom>
+          </p:spPr>
+          <p:style>
+            <a:lnRef idx="1">
+              <a:schemeClr val="accent5"/>
+            </a:lnRef>
+            <a:fillRef idx="2">
+              <a:schemeClr val="accent5"/>
+            </a:fillRef>
+            <a:effectRef idx="1">
+              <a:schemeClr val="accent5"/>
+            </a:effectRef>
+            <a:fontRef idx="minor">
+              <a:schemeClr val="dk1"/>
+            </a:fontRef>
+          </p:style>
+          <p:txBody>
+            <a:bodyPr wrap="square" tIns="72000" bIns="72000">
+              <a:spAutoFit/>
+            </a:bodyPr>
+            <a:lstStyle/>
+            <a:p>
+              <a:pPr algn="ctr"/>
+              <a:r>
+                <a:rPr lang="en-US" altLang="ja-JP" dirty="0" err="1">
+                  <a:latin typeface="Segoe UI Semibold" panose="020B0702040204020203" pitchFamily="34" charset="0"/>
+                  <a:cs typeface="Segoe UI Semibold" panose="020B0702040204020203" pitchFamily="34" charset="0"/>
+                </a:rPr>
+                <a:t>DetailViewPresenter</a:t>
+              </a:r>
+              <a:endParaRPr lang="ja-JP" altLang="en-US" dirty="0">
+                <a:latin typeface="Segoe UI Semibold" panose="020B0702040204020203" pitchFamily="34" charset="0"/>
+                <a:cs typeface="Segoe UI Semibold" panose="020B0702040204020203" pitchFamily="34" charset="0"/>
+              </a:endParaRPr>
+            </a:p>
+          </p:txBody>
+        </p:sp>
+      </p:grpSp>
+      <p:sp>
+        <p:nvSpPr>
+          <p:cNvPr id="3" name="テキスト ボックス 2">
+            <a:extLst>
+              <a:ext uri="{FF2B5EF4-FFF2-40B4-BE49-F238E27FC236}">
+                <a16:creationId xmlns:a16="http://schemas.microsoft.com/office/drawing/2014/main" id="{A24004B9-8E84-A37B-C033-953C8E6895A1}"/>
+              </a:ext>
+            </a:extLst>
+          </p:cNvPr>
+          <p:cNvSpPr txBox="1"/>
+          <p:nvPr userDrawn="1"/>
+        </p:nvSpPr>
+        <p:spPr>
+          <a:xfrm>
+            <a:off x="5914784" y="5708564"/>
+            <a:ext cx="2520000" cy="422405"/>
+          </a:xfrm>
+          <a:prstGeom prst="rect">
+            <a:avLst/>
+          </a:prstGeom>
+        </p:spPr>
+        <p:style>
+          <a:lnRef idx="1">
+            <a:schemeClr val="accent5"/>
+          </a:lnRef>
+          <a:fillRef idx="2">
+            <a:schemeClr val="accent5"/>
+          </a:fillRef>
+          <a:effectRef idx="1">
+            <a:schemeClr val="accent5"/>
+          </a:effectRef>
+          <a:fontRef idx="minor">
+            <a:schemeClr val="dk1"/>
+          </a:fontRef>
+        </p:style>
+        <p:txBody>
+          <a:bodyPr wrap="square" tIns="72000" bIns="72000">
+            <a:spAutoFit/>
+          </a:bodyPr>
+          <a:lstStyle/>
+          <a:p>
+            <a:pPr algn="ctr"/>
+            <a:r>
+              <a:rPr lang="en-US" altLang="ja-JP" dirty="0" err="1">
+                <a:latin typeface="Segoe UI Semibold" panose="020B0702040204020203" pitchFamily="34" charset="0"/>
+                <a:cs typeface="Segoe UI Semibold" panose="020B0702040204020203" pitchFamily="34" charset="0"/>
+              </a:rPr>
+              <a:t>ImageCache</a:t>
+            </a:r>
+            <a:endParaRPr lang="en-US" altLang="ja-JP" dirty="0">
+              <a:latin typeface="Segoe UI Semibold" panose="020B0702040204020203" pitchFamily="34" charset="0"/>
+              <a:cs typeface="Segoe UI Semibold" panose="020B0702040204020203" pitchFamily="34" charset="0"/>
+            </a:endParaRPr>
+          </a:p>
+        </p:txBody>
+      </p:sp>
+      <p:sp>
+        <p:nvSpPr>
+          <p:cNvPr id="4" name="テキスト ボックス 3">
+            <a:extLst>
+              <a:ext uri="{FF2B5EF4-FFF2-40B4-BE49-F238E27FC236}">
+                <a16:creationId xmlns:a16="http://schemas.microsoft.com/office/drawing/2014/main" id="{F797FB62-F0A9-E377-2623-8BE6E5C8B0CD}"/>
+              </a:ext>
+            </a:extLst>
+          </p:cNvPr>
+          <p:cNvSpPr txBox="1"/>
+          <p:nvPr userDrawn="1"/>
+        </p:nvSpPr>
+        <p:spPr>
+          <a:xfrm>
+            <a:off x="5914784" y="5228029"/>
+            <a:ext cx="2520000" cy="422405"/>
+          </a:xfrm>
+          <a:prstGeom prst="rect">
+            <a:avLst/>
+          </a:prstGeom>
+        </p:spPr>
+        <p:style>
+          <a:lnRef idx="1">
+            <a:schemeClr val="accent5"/>
+          </a:lnRef>
+          <a:fillRef idx="2">
+            <a:schemeClr val="accent5"/>
+          </a:fillRef>
+          <a:effectRef idx="1">
+            <a:schemeClr val="accent5"/>
+          </a:effectRef>
+          <a:fontRef idx="minor">
+            <a:schemeClr val="dk1"/>
+          </a:fontRef>
+        </p:style>
+        <p:txBody>
+          <a:bodyPr wrap="square" tIns="72000" bIns="72000">
+            <a:spAutoFit/>
+          </a:bodyPr>
+          <a:lstStyle/>
+          <a:p>
+            <a:pPr algn="ctr"/>
+            <a:r>
+              <a:rPr lang="en-US" altLang="ja-JP" dirty="0" err="1">
+                <a:latin typeface="Segoe UI Semibold" panose="020B0702040204020203" pitchFamily="34" charset="0"/>
+                <a:cs typeface="Segoe UI Semibold" panose="020B0702040204020203" pitchFamily="34" charset="0"/>
+              </a:rPr>
+              <a:t>ImageDownloader</a:t>
+            </a:r>
+            <a:endParaRPr lang="en-US" altLang="ja-JP" dirty="0">
+              <a:latin typeface="Segoe UI Semibold" panose="020B0702040204020203" pitchFamily="34" charset="0"/>
+              <a:cs typeface="Segoe UI Semibold" panose="020B0702040204020203" pitchFamily="34" charset="0"/>
+            </a:endParaRPr>
+          </a:p>
+        </p:txBody>
+      </p:sp>
+    </p:spTree>
+    <p:extLst>
+      <p:ext uri="{BB962C8B-B14F-4D97-AF65-F5344CB8AC3E}">
+        <p14:creationId xmlns:p14="http://schemas.microsoft.com/office/powerpoint/2010/main" val="3419125485"/>
       </p:ext>
     </p:extLst>
   </p:cSld>
@@ -1145,7 +4114,7 @@
           <a:p>
             <a:fld id="{EA92AA29-409C-4083-BDC1-99425471DC1E}" type="datetimeFigureOut">
               <a:rPr kumimoji="1" lang="ja-JP" altLang="en-US" smtClean="0"/>
-              <a:t>2024/2/26</a:t>
+              <a:t>2024/2/28</a:t>
             </a:fld>
             <a:endParaRPr kumimoji="1" lang="ja-JP" altLang="en-US"/>
           </a:p>
@@ -1253,6 +4222,7 @@
     <p:sldLayoutId id="2147483655" r:id="rId1"/>
     <p:sldLayoutId id="2147483656" r:id="rId2"/>
     <p:sldLayoutId id="2147483658" r:id="rId3"/>
+    <p:sldLayoutId id="2147483659" r:id="rId4"/>
   </p:sldLayoutIdLst>
   <p:txStyles>
     <p:titleStyle>
@@ -1597,6 +4567,790 @@
               <a:rPr kumimoji="1" lang="ja-JP" altLang="en-US" dirty="0"/>
               <a:t>：</a:t>
             </a:r>
+          </a:p>
+        </p:txBody>
+      </p:sp>
+      <p:sp>
+        <p:nvSpPr>
+          <p:cNvPr id="7" name="テキスト ボックス 6">
+            <a:extLst>
+              <a:ext uri="{FF2B5EF4-FFF2-40B4-BE49-F238E27FC236}">
+                <a16:creationId xmlns:a16="http://schemas.microsoft.com/office/drawing/2014/main" id="{2950F944-641D-C971-FB7F-03E19317509F}"/>
+              </a:ext>
+            </a:extLst>
+          </p:cNvPr>
+          <p:cNvSpPr txBox="1"/>
+          <p:nvPr/>
+        </p:nvSpPr>
+        <p:spPr>
+          <a:xfrm>
+            <a:off x="5071022" y="2429009"/>
+            <a:ext cx="2520000" cy="422405"/>
+          </a:xfrm>
+          <a:prstGeom prst="rect">
+            <a:avLst/>
+          </a:prstGeom>
+        </p:spPr>
+        <p:style>
+          <a:lnRef idx="1">
+            <a:schemeClr val="accent5"/>
+          </a:lnRef>
+          <a:fillRef idx="2">
+            <a:schemeClr val="accent5"/>
+          </a:fillRef>
+          <a:effectRef idx="1">
+            <a:schemeClr val="accent5"/>
+          </a:effectRef>
+          <a:fontRef idx="minor">
+            <a:schemeClr val="dk1"/>
+          </a:fontRef>
+        </p:style>
+        <p:txBody>
+          <a:bodyPr wrap="square" tIns="72000" bIns="72000">
+            <a:spAutoFit/>
+          </a:bodyPr>
+          <a:lstStyle/>
+          <a:p>
+            <a:pPr algn="ctr"/>
+            <a:r>
+              <a:rPr lang="en-US" altLang="ja-JP" dirty="0" err="1">
+                <a:latin typeface="Segoe UI Semibold" panose="020B0702040204020203" pitchFamily="34" charset="0"/>
+                <a:cs typeface="Segoe UI Semibold" panose="020B0702040204020203" pitchFamily="34" charset="0"/>
+              </a:rPr>
+              <a:t>AppContent</a:t>
+            </a:r>
+            <a:endParaRPr lang="en-US" altLang="ja-JP" dirty="0">
+              <a:latin typeface="Segoe UI Semibold" panose="020B0702040204020203" pitchFamily="34" charset="0"/>
+              <a:cs typeface="Segoe UI Semibold" panose="020B0702040204020203" pitchFamily="34" charset="0"/>
+            </a:endParaRPr>
+          </a:p>
+        </p:txBody>
+      </p:sp>
+      <p:sp>
+        <p:nvSpPr>
+          <p:cNvPr id="9" name="テキスト ボックス 8">
+            <a:extLst>
+              <a:ext uri="{FF2B5EF4-FFF2-40B4-BE49-F238E27FC236}">
+                <a16:creationId xmlns:a16="http://schemas.microsoft.com/office/drawing/2014/main" id="{1F6907F2-C793-3E08-23F9-B66E0EC9A986}"/>
+              </a:ext>
+            </a:extLst>
+          </p:cNvPr>
+          <p:cNvSpPr txBox="1"/>
+          <p:nvPr/>
+        </p:nvSpPr>
+        <p:spPr>
+          <a:xfrm>
+            <a:off x="1258855" y="3919288"/>
+            <a:ext cx="2520000" cy="422405"/>
+          </a:xfrm>
+          <a:prstGeom prst="rect">
+            <a:avLst/>
+          </a:prstGeom>
+        </p:spPr>
+        <p:style>
+          <a:lnRef idx="1">
+            <a:schemeClr val="accent5"/>
+          </a:lnRef>
+          <a:fillRef idx="2">
+            <a:schemeClr val="accent5"/>
+          </a:fillRef>
+          <a:effectRef idx="1">
+            <a:schemeClr val="accent5"/>
+          </a:effectRef>
+          <a:fontRef idx="minor">
+            <a:schemeClr val="dk1"/>
+          </a:fontRef>
+        </p:style>
+        <p:txBody>
+          <a:bodyPr wrap="square" tIns="72000" bIns="72000">
+            <a:spAutoFit/>
+          </a:bodyPr>
+          <a:lstStyle/>
+          <a:p>
+            <a:pPr algn="ctr"/>
+            <a:r>
+              <a:rPr lang="en-US" altLang="ja-JP" dirty="0" err="1">
+                <a:latin typeface="Segoe UI Semibold" panose="020B0702040204020203" pitchFamily="34" charset="0"/>
+                <a:cs typeface="Segoe UI Semibold" panose="020B0702040204020203" pitchFamily="34" charset="0"/>
+              </a:rPr>
+              <a:t>AppDelegate</a:t>
+            </a:r>
+            <a:endParaRPr lang="en-US" altLang="ja-JP" dirty="0">
+              <a:latin typeface="Segoe UI Semibold" panose="020B0702040204020203" pitchFamily="34" charset="0"/>
+              <a:cs typeface="Segoe UI Semibold" panose="020B0702040204020203" pitchFamily="34" charset="0"/>
+            </a:endParaRPr>
+          </a:p>
+        </p:txBody>
+      </p:sp>
+      <p:sp>
+        <p:nvSpPr>
+          <p:cNvPr id="12" name="テキスト ボックス 11">
+            <a:extLst>
+              <a:ext uri="{FF2B5EF4-FFF2-40B4-BE49-F238E27FC236}">
+                <a16:creationId xmlns:a16="http://schemas.microsoft.com/office/drawing/2014/main" id="{8C716ADD-D87E-3DC1-C961-7C208994F940}"/>
+              </a:ext>
+            </a:extLst>
+          </p:cNvPr>
+          <p:cNvSpPr txBox="1"/>
+          <p:nvPr/>
+        </p:nvSpPr>
+        <p:spPr>
+          <a:xfrm>
+            <a:off x="3778855" y="3305676"/>
+            <a:ext cx="2520000" cy="422405"/>
+          </a:xfrm>
+          <a:prstGeom prst="rect">
+            <a:avLst/>
+          </a:prstGeom>
+        </p:spPr>
+        <p:style>
+          <a:lnRef idx="1">
+            <a:schemeClr val="accent5"/>
+          </a:lnRef>
+          <a:fillRef idx="2">
+            <a:schemeClr val="accent5"/>
+          </a:fillRef>
+          <a:effectRef idx="1">
+            <a:schemeClr val="accent5"/>
+          </a:effectRef>
+          <a:fontRef idx="minor">
+            <a:schemeClr val="dk1"/>
+          </a:fontRef>
+        </p:style>
+        <p:txBody>
+          <a:bodyPr wrap="square" tIns="72000" bIns="72000">
+            <a:spAutoFit/>
+          </a:bodyPr>
+          <a:lstStyle/>
+          <a:p>
+            <a:pPr algn="ctr"/>
+            <a:r>
+              <a:rPr lang="en-US" altLang="ja-JP" dirty="0" err="1">
+                <a:latin typeface="Segoe UI Semibold" panose="020B0702040204020203" pitchFamily="34" charset="0"/>
+                <a:cs typeface="Segoe UI Semibold" panose="020B0702040204020203" pitchFamily="34" charset="0"/>
+              </a:rPr>
+              <a:t>GitHubSearcher</a:t>
+            </a:r>
+            <a:endParaRPr lang="en-US" altLang="ja-JP" dirty="0">
+              <a:latin typeface="Segoe UI Semibold" panose="020B0702040204020203" pitchFamily="34" charset="0"/>
+              <a:cs typeface="Segoe UI Semibold" panose="020B0702040204020203" pitchFamily="34" charset="0"/>
+            </a:endParaRPr>
+          </a:p>
+        </p:txBody>
+      </p:sp>
+      <p:sp>
+        <p:nvSpPr>
+          <p:cNvPr id="14" name="テキスト ボックス 13">
+            <a:extLst>
+              <a:ext uri="{FF2B5EF4-FFF2-40B4-BE49-F238E27FC236}">
+                <a16:creationId xmlns:a16="http://schemas.microsoft.com/office/drawing/2014/main" id="{8B85C54D-201E-262E-AAD9-5EF4B228BC24}"/>
+              </a:ext>
+            </a:extLst>
+          </p:cNvPr>
+          <p:cNvSpPr txBox="1"/>
+          <p:nvPr/>
+        </p:nvSpPr>
+        <p:spPr>
+          <a:xfrm>
+            <a:off x="2778690" y="1814289"/>
+            <a:ext cx="2520000" cy="422405"/>
+          </a:xfrm>
+          <a:prstGeom prst="rect">
+            <a:avLst/>
+          </a:prstGeom>
+        </p:spPr>
+        <p:style>
+          <a:lnRef idx="1">
+            <a:schemeClr val="accent5"/>
+          </a:lnRef>
+          <a:fillRef idx="2">
+            <a:schemeClr val="accent5"/>
+          </a:fillRef>
+          <a:effectRef idx="1">
+            <a:schemeClr val="accent5"/>
+          </a:effectRef>
+          <a:fontRef idx="minor">
+            <a:schemeClr val="dk1"/>
+          </a:fontRef>
+        </p:style>
+        <p:txBody>
+          <a:bodyPr wrap="square" tIns="72000" bIns="72000">
+            <a:spAutoFit/>
+          </a:bodyPr>
+          <a:lstStyle/>
+          <a:p>
+            <a:pPr algn="ctr"/>
+            <a:r>
+              <a:rPr lang="en-US" altLang="ja-JP" dirty="0" err="1">
+                <a:latin typeface="Segoe UI Semibold" panose="020B0702040204020203" pitchFamily="34" charset="0"/>
+                <a:cs typeface="Segoe UI Semibold" panose="020B0702040204020203" pitchFamily="34" charset="0"/>
+              </a:rPr>
+              <a:t>GitHubAPIClient</a:t>
+            </a:r>
+            <a:endParaRPr lang="en-US" altLang="ja-JP" dirty="0">
+              <a:latin typeface="Segoe UI Semibold" panose="020B0702040204020203" pitchFamily="34" charset="0"/>
+              <a:cs typeface="Segoe UI Semibold" panose="020B0702040204020203" pitchFamily="34" charset="0"/>
+            </a:endParaRPr>
+          </a:p>
+        </p:txBody>
+      </p:sp>
+      <p:sp>
+        <p:nvSpPr>
+          <p:cNvPr id="18" name="テキスト ボックス 17">
+            <a:extLst>
+              <a:ext uri="{FF2B5EF4-FFF2-40B4-BE49-F238E27FC236}">
+                <a16:creationId xmlns:a16="http://schemas.microsoft.com/office/drawing/2014/main" id="{DBC071AD-B214-FE33-175D-EB47A7E16077}"/>
+              </a:ext>
+            </a:extLst>
+          </p:cNvPr>
+          <p:cNvSpPr txBox="1"/>
+          <p:nvPr/>
+        </p:nvSpPr>
+        <p:spPr>
+          <a:xfrm>
+            <a:off x="7794306" y="2875481"/>
+            <a:ext cx="2520000" cy="422405"/>
+          </a:xfrm>
+          <a:prstGeom prst="rect">
+            <a:avLst/>
+          </a:prstGeom>
+        </p:spPr>
+        <p:style>
+          <a:lnRef idx="1">
+            <a:schemeClr val="accent5"/>
+          </a:lnRef>
+          <a:fillRef idx="2">
+            <a:schemeClr val="accent5"/>
+          </a:fillRef>
+          <a:effectRef idx="1">
+            <a:schemeClr val="accent5"/>
+          </a:effectRef>
+          <a:fontRef idx="minor">
+            <a:schemeClr val="dk1"/>
+          </a:fontRef>
+        </p:style>
+        <p:txBody>
+          <a:bodyPr wrap="square" tIns="72000" bIns="72000">
+            <a:spAutoFit/>
+          </a:bodyPr>
+          <a:lstStyle/>
+          <a:p>
+            <a:pPr algn="ctr"/>
+            <a:r>
+              <a:rPr lang="en-US" altLang="ja-JP" dirty="0" err="1">
+                <a:latin typeface="Segoe UI Semibold" panose="020B0702040204020203" pitchFamily="34" charset="0"/>
+                <a:cs typeface="Segoe UI Semibold" panose="020B0702040204020203" pitchFamily="34" charset="0"/>
+              </a:rPr>
+              <a:t>GitHubRepository</a:t>
+            </a:r>
+            <a:endParaRPr lang="en-US" altLang="ja-JP" dirty="0">
+              <a:latin typeface="Segoe UI Semibold" panose="020B0702040204020203" pitchFamily="34" charset="0"/>
+              <a:cs typeface="Segoe UI Semibold" panose="020B0702040204020203" pitchFamily="34" charset="0"/>
+            </a:endParaRPr>
+          </a:p>
+        </p:txBody>
+      </p:sp>
+      <p:sp>
+        <p:nvSpPr>
+          <p:cNvPr id="20" name="テキスト ボックス 19">
+            <a:extLst>
+              <a:ext uri="{FF2B5EF4-FFF2-40B4-BE49-F238E27FC236}">
+                <a16:creationId xmlns:a16="http://schemas.microsoft.com/office/drawing/2014/main" id="{5BB074F9-7AEC-9339-AF35-E0B01563B0ED}"/>
+              </a:ext>
+            </a:extLst>
+          </p:cNvPr>
+          <p:cNvSpPr txBox="1"/>
+          <p:nvPr/>
+        </p:nvSpPr>
+        <p:spPr>
+          <a:xfrm>
+            <a:off x="1506498" y="5646804"/>
+            <a:ext cx="2520000" cy="422405"/>
+          </a:xfrm>
+          <a:prstGeom prst="rect">
+            <a:avLst/>
+          </a:prstGeom>
+        </p:spPr>
+        <p:style>
+          <a:lnRef idx="1">
+            <a:schemeClr val="accent5"/>
+          </a:lnRef>
+          <a:fillRef idx="2">
+            <a:schemeClr val="accent5"/>
+          </a:fillRef>
+          <a:effectRef idx="1">
+            <a:schemeClr val="accent5"/>
+          </a:effectRef>
+          <a:fontRef idx="minor">
+            <a:schemeClr val="dk1"/>
+          </a:fontRef>
+        </p:style>
+        <p:txBody>
+          <a:bodyPr wrap="square" tIns="72000" bIns="72000">
+            <a:spAutoFit/>
+          </a:bodyPr>
+          <a:lstStyle/>
+          <a:p>
+            <a:pPr algn="ctr"/>
+            <a:r>
+              <a:rPr lang="en-US" altLang="ja-JP" dirty="0" err="1">
+                <a:latin typeface="Segoe UI Semibold" panose="020B0702040204020203" pitchFamily="34" charset="0"/>
+                <a:cs typeface="Segoe UI Semibold" panose="020B0702040204020203" pitchFamily="34" charset="0"/>
+              </a:rPr>
+              <a:t>ImageCache</a:t>
+            </a:r>
+            <a:endParaRPr lang="en-US" altLang="ja-JP" dirty="0">
+              <a:latin typeface="Segoe UI Semibold" panose="020B0702040204020203" pitchFamily="34" charset="0"/>
+              <a:cs typeface="Segoe UI Semibold" panose="020B0702040204020203" pitchFamily="34" charset="0"/>
+            </a:endParaRPr>
+          </a:p>
+        </p:txBody>
+      </p:sp>
+      <p:sp>
+        <p:nvSpPr>
+          <p:cNvPr id="22" name="テキスト ボックス 21">
+            <a:extLst>
+              <a:ext uri="{FF2B5EF4-FFF2-40B4-BE49-F238E27FC236}">
+                <a16:creationId xmlns:a16="http://schemas.microsoft.com/office/drawing/2014/main" id="{1C4D55C3-ADBE-B9AB-2593-D10B5CC3CED8}"/>
+              </a:ext>
+            </a:extLst>
+          </p:cNvPr>
+          <p:cNvSpPr txBox="1"/>
+          <p:nvPr/>
+        </p:nvSpPr>
+        <p:spPr>
+          <a:xfrm>
+            <a:off x="405580" y="4885685"/>
+            <a:ext cx="2520000" cy="422405"/>
+          </a:xfrm>
+          <a:prstGeom prst="rect">
+            <a:avLst/>
+          </a:prstGeom>
+        </p:spPr>
+        <p:style>
+          <a:lnRef idx="1">
+            <a:schemeClr val="accent5"/>
+          </a:lnRef>
+          <a:fillRef idx="2">
+            <a:schemeClr val="accent5"/>
+          </a:fillRef>
+          <a:effectRef idx="1">
+            <a:schemeClr val="accent5"/>
+          </a:effectRef>
+          <a:fontRef idx="minor">
+            <a:schemeClr val="dk1"/>
+          </a:fontRef>
+        </p:style>
+        <p:txBody>
+          <a:bodyPr wrap="square" tIns="72000" bIns="72000">
+            <a:spAutoFit/>
+          </a:bodyPr>
+          <a:lstStyle/>
+          <a:p>
+            <a:pPr algn="ctr"/>
+            <a:r>
+              <a:rPr lang="en-US" altLang="ja-JP" dirty="0" err="1">
+                <a:latin typeface="Segoe UI Semibold" panose="020B0702040204020203" pitchFamily="34" charset="0"/>
+                <a:cs typeface="Segoe UI Semibold" panose="020B0702040204020203" pitchFamily="34" charset="0"/>
+              </a:rPr>
+              <a:t>ImageDownloader</a:t>
+            </a:r>
+            <a:endParaRPr lang="en-US" altLang="ja-JP" dirty="0">
+              <a:latin typeface="Segoe UI Semibold" panose="020B0702040204020203" pitchFamily="34" charset="0"/>
+              <a:cs typeface="Segoe UI Semibold" panose="020B0702040204020203" pitchFamily="34" charset="0"/>
+            </a:endParaRPr>
+          </a:p>
+        </p:txBody>
+      </p:sp>
+      <p:sp>
+        <p:nvSpPr>
+          <p:cNvPr id="24" name="テキスト ボックス 23">
+            <a:extLst>
+              <a:ext uri="{FF2B5EF4-FFF2-40B4-BE49-F238E27FC236}">
+                <a16:creationId xmlns:a16="http://schemas.microsoft.com/office/drawing/2014/main" id="{D84D0D1E-3FFC-400C-9C7D-3E8145326E87}"/>
+              </a:ext>
+            </a:extLst>
+          </p:cNvPr>
+          <p:cNvSpPr txBox="1"/>
+          <p:nvPr/>
+        </p:nvSpPr>
+        <p:spPr>
+          <a:xfrm>
+            <a:off x="258690" y="2497576"/>
+            <a:ext cx="2520000" cy="422405"/>
+          </a:xfrm>
+          <a:prstGeom prst="rect">
+            <a:avLst/>
+          </a:prstGeom>
+        </p:spPr>
+        <p:style>
+          <a:lnRef idx="1">
+            <a:schemeClr val="accent5"/>
+          </a:lnRef>
+          <a:fillRef idx="2">
+            <a:schemeClr val="accent5"/>
+          </a:fillRef>
+          <a:effectRef idx="1">
+            <a:schemeClr val="accent5"/>
+          </a:effectRef>
+          <a:fontRef idx="minor">
+            <a:schemeClr val="dk1"/>
+          </a:fontRef>
+        </p:style>
+        <p:txBody>
+          <a:bodyPr wrap="square" tIns="72000" bIns="72000">
+            <a:spAutoFit/>
+          </a:bodyPr>
+          <a:lstStyle/>
+          <a:p>
+            <a:pPr algn="ctr"/>
+            <a:r>
+              <a:rPr lang="en-US" altLang="ja-JP" dirty="0" err="1">
+                <a:latin typeface="Segoe UI Semibold" panose="020B0702040204020203" pitchFamily="34" charset="0"/>
+                <a:cs typeface="Segoe UI Semibold" panose="020B0702040204020203" pitchFamily="34" charset="0"/>
+              </a:rPr>
+              <a:t>NavigationRouter</a:t>
+            </a:r>
+            <a:endParaRPr lang="en-US" altLang="ja-JP" dirty="0">
+              <a:latin typeface="Segoe UI Semibold" panose="020B0702040204020203" pitchFamily="34" charset="0"/>
+              <a:cs typeface="Segoe UI Semibold" panose="020B0702040204020203" pitchFamily="34" charset="0"/>
+            </a:endParaRPr>
+          </a:p>
+        </p:txBody>
+      </p:sp>
+      <p:sp>
+        <p:nvSpPr>
+          <p:cNvPr id="26" name="テキスト ボックス 25">
+            <a:extLst>
+              <a:ext uri="{FF2B5EF4-FFF2-40B4-BE49-F238E27FC236}">
+                <a16:creationId xmlns:a16="http://schemas.microsoft.com/office/drawing/2014/main" id="{5B972364-5E86-8064-FDCD-8508AFF401FD}"/>
+              </a:ext>
+            </a:extLst>
+          </p:cNvPr>
+          <p:cNvSpPr txBox="1"/>
+          <p:nvPr/>
+        </p:nvSpPr>
+        <p:spPr>
+          <a:xfrm>
+            <a:off x="8603808" y="1726368"/>
+            <a:ext cx="2520000" cy="422405"/>
+          </a:xfrm>
+          <a:prstGeom prst="rect">
+            <a:avLst/>
+          </a:prstGeom>
+        </p:spPr>
+        <p:style>
+          <a:lnRef idx="1">
+            <a:schemeClr val="accent5"/>
+          </a:lnRef>
+          <a:fillRef idx="2">
+            <a:schemeClr val="accent5"/>
+          </a:fillRef>
+          <a:effectRef idx="1">
+            <a:schemeClr val="accent5"/>
+          </a:effectRef>
+          <a:fontRef idx="minor">
+            <a:schemeClr val="dk1"/>
+          </a:fontRef>
+        </p:style>
+        <p:txBody>
+          <a:bodyPr wrap="square" tIns="72000" bIns="72000">
+            <a:spAutoFit/>
+          </a:bodyPr>
+          <a:lstStyle/>
+          <a:p>
+            <a:pPr algn="ctr"/>
+            <a:r>
+              <a:rPr lang="en-US" altLang="ja-JP" dirty="0" err="1">
+                <a:latin typeface="Segoe UI Semibold" panose="020B0702040204020203" pitchFamily="34" charset="0"/>
+                <a:cs typeface="Segoe UI Semibold" panose="020B0702040204020203" pitchFamily="34" charset="0"/>
+              </a:rPr>
+              <a:t>MainPresenter</a:t>
+            </a:r>
+            <a:endParaRPr lang="en-US" altLang="ja-JP" dirty="0">
+              <a:latin typeface="Segoe UI Semibold" panose="020B0702040204020203" pitchFamily="34" charset="0"/>
+              <a:cs typeface="Segoe UI Semibold" panose="020B0702040204020203" pitchFamily="34" charset="0"/>
+            </a:endParaRPr>
+          </a:p>
+        </p:txBody>
+      </p:sp>
+      <p:sp>
+        <p:nvSpPr>
+          <p:cNvPr id="28" name="テキスト ボックス 27">
+            <a:extLst>
+              <a:ext uri="{FF2B5EF4-FFF2-40B4-BE49-F238E27FC236}">
+                <a16:creationId xmlns:a16="http://schemas.microsoft.com/office/drawing/2014/main" id="{28ED7CF1-D140-74B7-728B-BD9AD6DFA0F2}"/>
+              </a:ext>
+            </a:extLst>
+          </p:cNvPr>
+          <p:cNvSpPr txBox="1"/>
+          <p:nvPr/>
+        </p:nvSpPr>
+        <p:spPr>
+          <a:xfrm>
+            <a:off x="6083808" y="4063997"/>
+            <a:ext cx="2520000" cy="422405"/>
+          </a:xfrm>
+          <a:prstGeom prst="rect">
+            <a:avLst/>
+          </a:prstGeom>
+        </p:spPr>
+        <p:style>
+          <a:lnRef idx="1">
+            <a:schemeClr val="accent5"/>
+          </a:lnRef>
+          <a:fillRef idx="2">
+            <a:schemeClr val="accent5"/>
+          </a:fillRef>
+          <a:effectRef idx="1">
+            <a:schemeClr val="accent5"/>
+          </a:effectRef>
+          <a:fontRef idx="minor">
+            <a:schemeClr val="dk1"/>
+          </a:fontRef>
+        </p:style>
+        <p:txBody>
+          <a:bodyPr wrap="square" tIns="72000" bIns="72000">
+            <a:spAutoFit/>
+          </a:bodyPr>
+          <a:lstStyle/>
+          <a:p>
+            <a:pPr algn="ctr"/>
+            <a:r>
+              <a:rPr lang="en-US" altLang="ja-JP" dirty="0" err="1">
+                <a:latin typeface="Segoe UI Semibold" panose="020B0702040204020203" pitchFamily="34" charset="0"/>
+                <a:cs typeface="Segoe UI Semibold" panose="020B0702040204020203" pitchFamily="34" charset="0"/>
+              </a:rPr>
+              <a:t>MainView</a:t>
+            </a:r>
+            <a:endParaRPr lang="en-US" altLang="ja-JP" dirty="0">
+              <a:latin typeface="Segoe UI Semibold" panose="020B0702040204020203" pitchFamily="34" charset="0"/>
+              <a:cs typeface="Segoe UI Semibold" panose="020B0702040204020203" pitchFamily="34" charset="0"/>
+            </a:endParaRPr>
+          </a:p>
+        </p:txBody>
+      </p:sp>
+      <p:sp>
+        <p:nvSpPr>
+          <p:cNvPr id="30" name="テキスト ボックス 29">
+            <a:extLst>
+              <a:ext uri="{FF2B5EF4-FFF2-40B4-BE49-F238E27FC236}">
+                <a16:creationId xmlns:a16="http://schemas.microsoft.com/office/drawing/2014/main" id="{DB5AB8DF-E156-6EDA-441F-7D1A38F06708}"/>
+              </a:ext>
+            </a:extLst>
+          </p:cNvPr>
+          <p:cNvSpPr txBox="1"/>
+          <p:nvPr/>
+        </p:nvSpPr>
+        <p:spPr>
+          <a:xfrm>
+            <a:off x="5286498" y="4806712"/>
+            <a:ext cx="2520000" cy="422405"/>
+          </a:xfrm>
+          <a:prstGeom prst="rect">
+            <a:avLst/>
+          </a:prstGeom>
+        </p:spPr>
+        <p:style>
+          <a:lnRef idx="1">
+            <a:schemeClr val="accent5"/>
+          </a:lnRef>
+          <a:fillRef idx="2">
+            <a:schemeClr val="accent5"/>
+          </a:fillRef>
+          <a:effectRef idx="1">
+            <a:schemeClr val="accent5"/>
+          </a:effectRef>
+          <a:fontRef idx="minor">
+            <a:schemeClr val="dk1"/>
+          </a:fontRef>
+        </p:style>
+        <p:txBody>
+          <a:bodyPr wrap="square" tIns="72000" bIns="72000">
+            <a:spAutoFit/>
+          </a:bodyPr>
+          <a:lstStyle/>
+          <a:p>
+            <a:pPr algn="ctr"/>
+            <a:r>
+              <a:rPr lang="en-US" altLang="ja-JP" dirty="0" err="1">
+                <a:latin typeface="Segoe UI Semibold" panose="020B0702040204020203" pitchFamily="34" charset="0"/>
+                <a:cs typeface="Segoe UI Semibold" panose="020B0702040204020203" pitchFamily="34" charset="0"/>
+              </a:rPr>
+              <a:t>MainContent</a:t>
+            </a:r>
+            <a:endParaRPr lang="en-US" altLang="ja-JP" dirty="0">
+              <a:latin typeface="Segoe UI Semibold" panose="020B0702040204020203" pitchFamily="34" charset="0"/>
+              <a:cs typeface="Segoe UI Semibold" panose="020B0702040204020203" pitchFamily="34" charset="0"/>
+            </a:endParaRPr>
+          </a:p>
+        </p:txBody>
+      </p:sp>
+      <p:sp>
+        <p:nvSpPr>
+          <p:cNvPr id="32" name="テキスト ボックス 31">
+            <a:extLst>
+              <a:ext uri="{FF2B5EF4-FFF2-40B4-BE49-F238E27FC236}">
+                <a16:creationId xmlns:a16="http://schemas.microsoft.com/office/drawing/2014/main" id="{57FF8288-6DAD-2ED2-2026-17428B1C8A8C}"/>
+              </a:ext>
+            </a:extLst>
+          </p:cNvPr>
+          <p:cNvSpPr txBox="1"/>
+          <p:nvPr/>
+        </p:nvSpPr>
+        <p:spPr>
+          <a:xfrm>
+            <a:off x="4541818" y="6105784"/>
+            <a:ext cx="2520000" cy="422405"/>
+          </a:xfrm>
+          <a:prstGeom prst="rect">
+            <a:avLst/>
+          </a:prstGeom>
+        </p:spPr>
+        <p:style>
+          <a:lnRef idx="1">
+            <a:schemeClr val="accent5"/>
+          </a:lnRef>
+          <a:fillRef idx="2">
+            <a:schemeClr val="accent5"/>
+          </a:fillRef>
+          <a:effectRef idx="1">
+            <a:schemeClr val="accent5"/>
+          </a:effectRef>
+          <a:fontRef idx="minor">
+            <a:schemeClr val="dk1"/>
+          </a:fontRef>
+        </p:style>
+        <p:txBody>
+          <a:bodyPr wrap="square" tIns="72000" bIns="72000">
+            <a:spAutoFit/>
+          </a:bodyPr>
+          <a:lstStyle/>
+          <a:p>
+            <a:pPr algn="ctr"/>
+            <a:r>
+              <a:rPr lang="en-US" altLang="ja-JP" dirty="0" err="1">
+                <a:latin typeface="Segoe UI Semibold" panose="020B0702040204020203" pitchFamily="34" charset="0"/>
+                <a:cs typeface="Segoe UI Semibold" panose="020B0702040204020203" pitchFamily="34" charset="0"/>
+              </a:rPr>
+              <a:t>DetailContent</a:t>
+            </a:r>
+            <a:endParaRPr lang="en-US" altLang="ja-JP" dirty="0">
+              <a:latin typeface="Segoe UI Semibold" panose="020B0702040204020203" pitchFamily="34" charset="0"/>
+              <a:cs typeface="Segoe UI Semibold" panose="020B0702040204020203" pitchFamily="34" charset="0"/>
+            </a:endParaRPr>
+          </a:p>
+        </p:txBody>
+      </p:sp>
+      <p:sp>
+        <p:nvSpPr>
+          <p:cNvPr id="34" name="テキスト ボックス 33">
+            <a:extLst>
+              <a:ext uri="{FF2B5EF4-FFF2-40B4-BE49-F238E27FC236}">
+                <a16:creationId xmlns:a16="http://schemas.microsoft.com/office/drawing/2014/main" id="{CC2472D6-4A71-398C-79E8-A677A640E4AC}"/>
+              </a:ext>
+            </a:extLst>
+          </p:cNvPr>
+          <p:cNvSpPr txBox="1"/>
+          <p:nvPr/>
+        </p:nvSpPr>
+        <p:spPr>
+          <a:xfrm>
+            <a:off x="9230675" y="3852795"/>
+            <a:ext cx="2520000" cy="422405"/>
+          </a:xfrm>
+          <a:prstGeom prst="rect">
+            <a:avLst/>
+          </a:prstGeom>
+        </p:spPr>
+        <p:style>
+          <a:lnRef idx="1">
+            <a:schemeClr val="accent5"/>
+          </a:lnRef>
+          <a:fillRef idx="2">
+            <a:schemeClr val="accent5"/>
+          </a:fillRef>
+          <a:effectRef idx="1">
+            <a:schemeClr val="accent5"/>
+          </a:effectRef>
+          <a:fontRef idx="minor">
+            <a:schemeClr val="dk1"/>
+          </a:fontRef>
+        </p:style>
+        <p:txBody>
+          <a:bodyPr wrap="square" tIns="72000" bIns="72000">
+            <a:spAutoFit/>
+          </a:bodyPr>
+          <a:lstStyle/>
+          <a:p>
+            <a:pPr algn="ctr"/>
+            <a:r>
+              <a:rPr lang="en-US" altLang="ja-JP" dirty="0" err="1">
+                <a:latin typeface="Segoe UI Semibold" panose="020B0702040204020203" pitchFamily="34" charset="0"/>
+                <a:cs typeface="Segoe UI Semibold" panose="020B0702040204020203" pitchFamily="34" charset="0"/>
+              </a:rPr>
+              <a:t>DetailView</a:t>
+            </a:r>
+            <a:endParaRPr lang="en-US" altLang="ja-JP" dirty="0">
+              <a:latin typeface="Segoe UI Semibold" panose="020B0702040204020203" pitchFamily="34" charset="0"/>
+              <a:cs typeface="Segoe UI Semibold" panose="020B0702040204020203" pitchFamily="34" charset="0"/>
+            </a:endParaRPr>
+          </a:p>
+        </p:txBody>
+      </p:sp>
+      <p:sp>
+        <p:nvSpPr>
+          <p:cNvPr id="36" name="テキスト ボックス 35">
+            <a:extLst>
+              <a:ext uri="{FF2B5EF4-FFF2-40B4-BE49-F238E27FC236}">
+                <a16:creationId xmlns:a16="http://schemas.microsoft.com/office/drawing/2014/main" id="{E5153AA0-2ECB-8750-72D0-F39AA779C149}"/>
+              </a:ext>
+            </a:extLst>
+          </p:cNvPr>
+          <p:cNvSpPr txBox="1"/>
+          <p:nvPr/>
+        </p:nvSpPr>
+        <p:spPr>
+          <a:xfrm>
+            <a:off x="8445910" y="5436205"/>
+            <a:ext cx="2520000" cy="422405"/>
+          </a:xfrm>
+          <a:prstGeom prst="rect">
+            <a:avLst/>
+          </a:prstGeom>
+        </p:spPr>
+        <p:style>
+          <a:lnRef idx="1">
+            <a:schemeClr val="accent5"/>
+          </a:lnRef>
+          <a:fillRef idx="2">
+            <a:schemeClr val="accent5"/>
+          </a:fillRef>
+          <a:effectRef idx="1">
+            <a:schemeClr val="accent5"/>
+          </a:effectRef>
+          <a:fontRef idx="minor">
+            <a:schemeClr val="dk1"/>
+          </a:fontRef>
+        </p:style>
+        <p:txBody>
+          <a:bodyPr wrap="square" tIns="72000" bIns="72000">
+            <a:spAutoFit/>
+          </a:bodyPr>
+          <a:lstStyle/>
+          <a:p>
+            <a:pPr algn="ctr"/>
+            <a:r>
+              <a:rPr lang="en-US" altLang="ja-JP" dirty="0" err="1">
+                <a:latin typeface="Segoe UI Semibold" panose="020B0702040204020203" pitchFamily="34" charset="0"/>
+                <a:cs typeface="Segoe UI Semibold" panose="020B0702040204020203" pitchFamily="34" charset="0"/>
+              </a:rPr>
+              <a:t>DetailViewPresenter</a:t>
+            </a:r>
+            <a:endParaRPr lang="ja-JP" altLang="en-US" dirty="0">
+              <a:latin typeface="Segoe UI Semibold" panose="020B0702040204020203" pitchFamily="34" charset="0"/>
+              <a:cs typeface="Segoe UI Semibold" panose="020B0702040204020203" pitchFamily="34" charset="0"/>
+            </a:endParaRPr>
           </a:p>
         </p:txBody>
       </p:sp>
